--- a/AI-APP-ST204_Machiraju_v01.pptx
+++ b/AI-APP-ST204_Machiraju_v01.pptx
@@ -5,16 +5,23 @@
     <p:sldMasterId id="2147484229" r:id="rId4"/>
   </p:sldMasterIdLst>
   <p:notesMasterIdLst>
-    <p:notesMasterId r:id="rId9"/>
+    <p:notesMasterId r:id="rId16"/>
   </p:notesMasterIdLst>
   <p:handoutMasterIdLst>
-    <p:handoutMasterId r:id="rId10"/>
+    <p:handoutMasterId r:id="rId17"/>
   </p:handoutMasterIdLst>
   <p:sldIdLst>
-    <p:sldId id="1889" r:id="rId5"/>
-    <p:sldId id="1890" r:id="rId6"/>
-    <p:sldId id="1894" r:id="rId7"/>
+    <p:sldId id="1896" r:id="rId5"/>
+    <p:sldId id="1889" r:id="rId6"/>
+    <p:sldId id="1890" r:id="rId7"/>
     <p:sldId id="1893" r:id="rId8"/>
+    <p:sldId id="1895" r:id="rId9"/>
+    <p:sldId id="1894" r:id="rId10"/>
+    <p:sldId id="1899" r:id="rId11"/>
+    <p:sldId id="1901" r:id="rId12"/>
+    <p:sldId id="1900" r:id="rId13"/>
+    <p:sldId id="1897" r:id="rId14"/>
+    <p:sldId id="1898" r:id="rId15"/>
   </p:sldIdLst>
   <p:sldSz cx="12192000" cy="6858000"/>
   <p:notesSz cx="6858000" cy="9144000"/>
@@ -118,14 +125,22 @@
       <p14:sectionLst xmlns:p14="http://schemas.microsoft.com/office/powerpoint/2010/main">
         <p14:section name="Microsoft Ready Template" id="{A073DAE3-B461-442F-A3D3-6642BD875E45}">
           <p14:sldIdLst>
+            <p14:sldId id="1896"/>
             <p14:sldId id="1889"/>
             <p14:sldId id="1890"/>
+            <p14:sldId id="1893"/>
+            <p14:sldId id="1895"/>
             <p14:sldId id="1894"/>
-            <p14:sldId id="1893"/>
+            <p14:sldId id="1899"/>
+            <p14:sldId id="1901"/>
+            <p14:sldId id="1900"/>
+            <p14:sldId id="1897"/>
           </p14:sldIdLst>
         </p14:section>
         <p14:section name="Appendix" id="{B4777F86-5D0C-4CFC-9248-EC9DDD09C746}">
-          <p14:sldIdLst/>
+          <p14:sldIdLst>
+            <p14:sldId id="1898"/>
+          </p14:sldIdLst>
         </p14:section>
       </p14:sectionLst>
     </p:ext>
@@ -951,7 +966,7 @@
             <a:fld id="{B4008EB6-D09E-4580-8CD6-DDB14511944F}" type="slidenum">
               <a:rPr lang="en-US" smtClean="0"/>
               <a:pPr/>
-              <a:t>1</a:t>
+              <a:t>2</a:t>
             </a:fld>
             <a:endParaRPr lang="en-US" dirty="0"/>
           </a:p>
@@ -1118,7 +1133,7 @@
           <a:p>
             <a:fld id="{A5CD2277-7C1A-43CA-8676-87B24AD584BD}" type="datetime8">
               <a:rPr lang="en-US" smtClean="0"/>
-              <a:t>3/13/2019 12:35 PM</a:t>
+              <a:t>3/13/2019 3:56 PM</a:t>
             </a:fld>
             <a:endParaRPr lang="en-US" dirty="0"/>
           </a:p>
@@ -1142,7 +1157,7 @@
             <a:fld id="{B4008EB6-D09E-4580-8CD6-DDB14511944F}" type="slidenum">
               <a:rPr lang="en-US" smtClean="0"/>
               <a:pPr/>
-              <a:t>2</a:t>
+              <a:t>3</a:t>
             </a:fld>
             <a:endParaRPr lang="en-US" dirty="0"/>
           </a:p>
@@ -15660,6 +15675,526 @@
       </p:grpSpPr>
       <p:sp>
         <p:nvSpPr>
+          <p:cNvPr id="2" name="Title 1">
+            <a:extLst>
+              <a:ext uri="{FF2B5EF4-FFF2-40B4-BE49-F238E27FC236}">
+                <a16:creationId xmlns:a16="http://schemas.microsoft.com/office/drawing/2014/main" id="{73D1B795-2903-4A23-9818-EE03FE5812FD}"/>
+              </a:ext>
+            </a:extLst>
+          </p:cNvPr>
+          <p:cNvSpPr>
+            <a:spLocks noGrp="1"/>
+          </p:cNvSpPr>
+          <p:nvPr>
+            <p:ph type="title"/>
+          </p:nvPr>
+        </p:nvSpPr>
+        <p:spPr>
+          <a:xfrm>
+            <a:off x="584644" y="537488"/>
+            <a:ext cx="4161981" cy="553998"/>
+          </a:xfrm>
+        </p:spPr>
+        <p:txBody>
+          <a:bodyPr/>
+          <a:lstStyle/>
+          <a:p>
+            <a:r>
+              <a:rPr lang="en-US" dirty="0"/>
+              <a:t>Agenda</a:t>
+            </a:r>
+          </a:p>
+        </p:txBody>
+      </p:sp>
+      <p:sp>
+        <p:nvSpPr>
+          <p:cNvPr id="3" name="Text Placeholder 2">
+            <a:extLst>
+              <a:ext uri="{FF2B5EF4-FFF2-40B4-BE49-F238E27FC236}">
+                <a16:creationId xmlns:a16="http://schemas.microsoft.com/office/drawing/2014/main" id="{33448E18-5DB3-4CD3-B239-54C0CADD5552}"/>
+              </a:ext>
+            </a:extLst>
+          </p:cNvPr>
+          <p:cNvSpPr>
+            <a:spLocks noGrp="1"/>
+          </p:cNvSpPr>
+          <p:nvPr>
+            <p:ph type="body" sz="quarter" idx="10"/>
+          </p:nvPr>
+        </p:nvSpPr>
+        <p:spPr>
+          <a:xfrm>
+            <a:off x="584200" y="1600061"/>
+            <a:ext cx="8163560" cy="1415772"/>
+          </a:xfrm>
+        </p:spPr>
+        <p:txBody>
+          <a:bodyPr/>
+          <a:lstStyle/>
+          <a:p>
+            <a:pPr marL="342900" indent="-342900">
+              <a:buFont typeface="Arial" panose="020B0604020202020204" pitchFamily="34" charset="0"/>
+              <a:buChar char="•"/>
+            </a:pPr>
+            <a:r>
+              <a:rPr lang="en-US" dirty="0"/>
+              <a:t>Basic Cluster Setup and App Deployment</a:t>
+            </a:r>
+          </a:p>
+          <a:p>
+            <a:pPr marL="342900" indent="-342900">
+              <a:buFont typeface="Arial" panose="020B0604020202020204" pitchFamily="34" charset="0"/>
+              <a:buChar char="•"/>
+            </a:pPr>
+            <a:r>
+              <a:rPr lang="en-US" dirty="0"/>
+              <a:t>ACR integration with AKS</a:t>
+            </a:r>
+          </a:p>
+          <a:p>
+            <a:pPr marL="342900" indent="-342900">
+              <a:buFont typeface="Arial" panose="020B0604020202020204" pitchFamily="34" charset="0"/>
+              <a:buChar char="•"/>
+            </a:pPr>
+            <a:r>
+              <a:rPr lang="en-US" dirty="0"/>
+              <a:t>Upgrading a cluster</a:t>
+            </a:r>
+          </a:p>
+          <a:p>
+            <a:pPr marL="342900" indent="-342900">
+              <a:buFont typeface="Arial" panose="020B0604020202020204" pitchFamily="34" charset="0"/>
+              <a:buChar char="•"/>
+            </a:pPr>
+            <a:r>
+              <a:rPr lang="en-US" dirty="0"/>
+              <a:t>Monitoring and Telemetry</a:t>
+            </a:r>
+          </a:p>
+        </p:txBody>
+      </p:sp>
+    </p:spTree>
+    <p:extLst>
+      <p:ext uri="{BB962C8B-B14F-4D97-AF65-F5344CB8AC3E}">
+        <p14:creationId xmlns:p14="http://schemas.microsoft.com/office/powerpoint/2010/main" val="1898138599"/>
+      </p:ext>
+    </p:extLst>
+  </p:cSld>
+  <p:clrMapOvr>
+    <a:masterClrMapping/>
+  </p:clrMapOvr>
+  <p:transition>
+    <p:fade/>
+  </p:transition>
+</p:sld>
+</file>
+
+<file path=ppt/slides/slide10.xml><?xml version="1.0" encoding="utf-8"?>
+<p:sld xmlns:a="http://schemas.openxmlformats.org/drawingml/2006/main" xmlns:r="http://schemas.openxmlformats.org/officeDocument/2006/relationships" xmlns:p="http://schemas.openxmlformats.org/presentationml/2006/main">
+  <p:cSld>
+    <p:spTree>
+      <p:nvGrpSpPr>
+        <p:cNvPr id="1" name=""/>
+        <p:cNvGrpSpPr/>
+        <p:nvPr/>
+      </p:nvGrpSpPr>
+      <p:grpSpPr>
+        <a:xfrm>
+          <a:off x="0" y="0"/>
+          <a:ext cx="0" cy="0"/>
+          <a:chOff x="0" y="0"/>
+          <a:chExt cx="0" cy="0"/>
+        </a:xfrm>
+      </p:grpSpPr>
+      <p:sp>
+        <p:nvSpPr>
+          <p:cNvPr id="5" name="Title 1">
+            <a:extLst>
+              <a:ext uri="{FF2B5EF4-FFF2-40B4-BE49-F238E27FC236}">
+                <a16:creationId xmlns:a16="http://schemas.microsoft.com/office/drawing/2014/main" id="{596CEEB9-146A-4545-BB65-4C95720161D7}"/>
+              </a:ext>
+            </a:extLst>
+          </p:cNvPr>
+          <p:cNvSpPr>
+            <a:spLocks noGrp="1"/>
+          </p:cNvSpPr>
+          <p:nvPr>
+            <p:ph type="title"/>
+          </p:nvPr>
+        </p:nvSpPr>
+        <p:spPr>
+          <a:xfrm>
+            <a:off x="674931" y="2321004"/>
+            <a:ext cx="4161981" cy="1107996"/>
+          </a:xfrm>
+        </p:spPr>
+        <p:txBody>
+          <a:bodyPr/>
+          <a:lstStyle/>
+          <a:p>
+            <a:r>
+              <a:rPr lang="en-US" dirty="0"/>
+              <a:t>Upgrading the Cluster</a:t>
+            </a:r>
+          </a:p>
+        </p:txBody>
+      </p:sp>
+      <p:sp>
+        <p:nvSpPr>
+          <p:cNvPr id="2" name="TextBox 1">
+            <a:extLst>
+              <a:ext uri="{FF2B5EF4-FFF2-40B4-BE49-F238E27FC236}">
+                <a16:creationId xmlns:a16="http://schemas.microsoft.com/office/drawing/2014/main" id="{F49E1FE4-1CDB-4067-AB86-42751D698ABD}"/>
+              </a:ext>
+            </a:extLst>
+          </p:cNvPr>
+          <p:cNvSpPr txBox="1"/>
+          <p:nvPr/>
+        </p:nvSpPr>
+        <p:spPr>
+          <a:xfrm>
+            <a:off x="4368050" y="1759863"/>
+            <a:ext cx="7564870" cy="2585323"/>
+          </a:xfrm>
+          <a:prstGeom prst="rect">
+            <a:avLst/>
+          </a:prstGeom>
+          <a:noFill/>
+        </p:spPr>
+        <p:txBody>
+          <a:bodyPr wrap="square" lIns="0" tIns="0" rIns="0" bIns="0" rtlCol="0">
+            <a:spAutoFit/>
+          </a:bodyPr>
+          <a:lstStyle/>
+          <a:p>
+            <a:pPr marL="342900" indent="-342900" algn="l">
+              <a:buFont typeface="Arial" panose="020B0604020202020204" pitchFamily="34" charset="0"/>
+              <a:buChar char="•"/>
+            </a:pPr>
+            <a:r>
+              <a:rPr lang="en-US" sz="2800" dirty="0">
+                <a:gradFill>
+                  <a:gsLst>
+                    <a:gs pos="2917">
+                      <a:schemeClr val="tx1"/>
+                    </a:gs>
+                    <a:gs pos="30000">
+                      <a:schemeClr val="tx1"/>
+                    </a:gs>
+                  </a:gsLst>
+                  <a:lin ang="5400000" scaled="0"/>
+                </a:gradFill>
+              </a:rPr>
+              <a:t>Stop Provision additional Pods</a:t>
+            </a:r>
+          </a:p>
+          <a:p>
+            <a:pPr marL="342900" indent="-342900" algn="l">
+              <a:buFont typeface="Arial" panose="020B0604020202020204" pitchFamily="34" charset="0"/>
+              <a:buChar char="•"/>
+            </a:pPr>
+            <a:r>
+              <a:rPr lang="en-US" sz="2800" dirty="0">
+                <a:gradFill>
+                  <a:gsLst>
+                    <a:gs pos="2917">
+                      <a:schemeClr val="tx1"/>
+                    </a:gs>
+                    <a:gs pos="30000">
+                      <a:schemeClr val="tx1"/>
+                    </a:gs>
+                  </a:gsLst>
+                  <a:lin ang="5400000" scaled="0"/>
+                </a:gradFill>
+              </a:rPr>
+              <a:t>Move the Pods out of upgrading Node</a:t>
+            </a:r>
+          </a:p>
+          <a:p>
+            <a:pPr marL="342900" indent="-342900" algn="l">
+              <a:buFont typeface="Arial" panose="020B0604020202020204" pitchFamily="34" charset="0"/>
+              <a:buChar char="•"/>
+            </a:pPr>
+            <a:r>
+              <a:rPr lang="en-US" sz="2800" dirty="0">
+                <a:gradFill>
+                  <a:gsLst>
+                    <a:gs pos="2917">
+                      <a:schemeClr val="tx1"/>
+                    </a:gs>
+                    <a:gs pos="30000">
+                      <a:schemeClr val="tx1"/>
+                    </a:gs>
+                  </a:gsLst>
+                  <a:lin ang="5400000" scaled="0"/>
+                </a:gradFill>
+              </a:rPr>
+              <a:t>A new node is created with latest K8s</a:t>
+            </a:r>
+          </a:p>
+          <a:p>
+            <a:pPr marL="342900" indent="-342900" algn="l">
+              <a:buFont typeface="Arial" panose="020B0604020202020204" pitchFamily="34" charset="0"/>
+              <a:buChar char="•"/>
+            </a:pPr>
+            <a:r>
+              <a:rPr lang="en-US" sz="2800" dirty="0">
+                <a:gradFill>
+                  <a:gsLst>
+                    <a:gs pos="2917">
+                      <a:schemeClr val="tx1"/>
+                    </a:gs>
+                    <a:gs pos="30000">
+                      <a:schemeClr val="tx1"/>
+                    </a:gs>
+                  </a:gsLst>
+                  <a:lin ang="5400000" scaled="0"/>
+                </a:gradFill>
+              </a:rPr>
+              <a:t>Join the New Node to cluster</a:t>
+            </a:r>
+          </a:p>
+          <a:p>
+            <a:pPr marL="342900" indent="-342900" algn="l">
+              <a:buFont typeface="Arial" panose="020B0604020202020204" pitchFamily="34" charset="0"/>
+              <a:buChar char="•"/>
+            </a:pPr>
+            <a:r>
+              <a:rPr lang="en-US" sz="2800" dirty="0">
+                <a:gradFill>
+                  <a:gsLst>
+                    <a:gs pos="2917">
+                      <a:schemeClr val="tx1"/>
+                    </a:gs>
+                    <a:gs pos="30000">
+                      <a:schemeClr val="tx1"/>
+                    </a:gs>
+                  </a:gsLst>
+                  <a:lin ang="5400000" scaled="0"/>
+                </a:gradFill>
+              </a:rPr>
+              <a:t>Delete old node</a:t>
+            </a:r>
+          </a:p>
+          <a:p>
+            <a:pPr marL="342900" indent="-342900" algn="l">
+              <a:buFont typeface="Arial" panose="020B0604020202020204" pitchFamily="34" charset="0"/>
+              <a:buChar char="•"/>
+            </a:pPr>
+            <a:endParaRPr lang="en-US" sz="2800" dirty="0" err="1">
+              <a:gradFill>
+                <a:gsLst>
+                  <a:gs pos="2917">
+                    <a:schemeClr val="tx1"/>
+                  </a:gs>
+                  <a:gs pos="30000">
+                    <a:schemeClr val="tx1"/>
+                  </a:gs>
+                </a:gsLst>
+                <a:lin ang="5400000" scaled="0"/>
+              </a:gradFill>
+            </a:endParaRPr>
+          </a:p>
+        </p:txBody>
+      </p:sp>
+      <p:sp>
+        <p:nvSpPr>
+          <p:cNvPr id="3" name="Rectangle 2">
+            <a:extLst>
+              <a:ext uri="{FF2B5EF4-FFF2-40B4-BE49-F238E27FC236}">
+                <a16:creationId xmlns:a16="http://schemas.microsoft.com/office/drawing/2014/main" id="{806F3C03-F34F-4A15-A73E-ACBE63E7AF64}"/>
+              </a:ext>
+            </a:extLst>
+          </p:cNvPr>
+          <p:cNvSpPr/>
+          <p:nvPr/>
+        </p:nvSpPr>
+        <p:spPr>
+          <a:xfrm>
+            <a:off x="259080" y="3523147"/>
+            <a:ext cx="4008149" cy="363946"/>
+          </a:xfrm>
+          <a:prstGeom prst="rect">
+            <a:avLst/>
+          </a:prstGeom>
+        </p:spPr>
+        <p:txBody>
+          <a:bodyPr wrap="none">
+            <a:spAutoFit/>
+          </a:bodyPr>
+          <a:lstStyle/>
+          <a:p>
+            <a:r>
+              <a:rPr lang="en-US" dirty="0"/>
+              <a:t>https://github.com/weaveworks/kured</a:t>
+            </a:r>
+          </a:p>
+        </p:txBody>
+      </p:sp>
+    </p:spTree>
+    <p:extLst>
+      <p:ext uri="{BB962C8B-B14F-4D97-AF65-F5344CB8AC3E}">
+        <p14:creationId xmlns:p14="http://schemas.microsoft.com/office/powerpoint/2010/main" val="2063879162"/>
+      </p:ext>
+    </p:extLst>
+  </p:cSld>
+  <p:clrMapOvr>
+    <a:masterClrMapping/>
+  </p:clrMapOvr>
+  <p:transition>
+    <p:fade/>
+  </p:transition>
+</p:sld>
+</file>
+
+<file path=ppt/slides/slide11.xml><?xml version="1.0" encoding="utf-8"?>
+<p:sld xmlns:a="http://schemas.openxmlformats.org/drawingml/2006/main" xmlns:r="http://schemas.openxmlformats.org/officeDocument/2006/relationships" xmlns:p="http://schemas.openxmlformats.org/presentationml/2006/main">
+  <p:cSld>
+    <p:spTree>
+      <p:nvGrpSpPr>
+        <p:cNvPr id="1" name=""/>
+        <p:cNvGrpSpPr/>
+        <p:nvPr/>
+      </p:nvGrpSpPr>
+      <p:grpSpPr>
+        <a:xfrm>
+          <a:off x="0" y="0"/>
+          <a:ext cx="0" cy="0"/>
+          <a:chOff x="0" y="0"/>
+          <a:chExt cx="0" cy="0"/>
+        </a:xfrm>
+      </p:grpSpPr>
+      <p:sp>
+        <p:nvSpPr>
+          <p:cNvPr id="2" name="Title 1">
+            <a:extLst>
+              <a:ext uri="{FF2B5EF4-FFF2-40B4-BE49-F238E27FC236}">
+                <a16:creationId xmlns:a16="http://schemas.microsoft.com/office/drawing/2014/main" id="{CF6415B8-E324-499C-B072-7BDCE2EF2FF0}"/>
+              </a:ext>
+            </a:extLst>
+          </p:cNvPr>
+          <p:cNvSpPr>
+            <a:spLocks noGrp="1"/>
+          </p:cNvSpPr>
+          <p:nvPr>
+            <p:ph type="title"/>
+          </p:nvPr>
+        </p:nvSpPr>
+        <p:spPr>
+          <a:xfrm>
+            <a:off x="213360" y="284480"/>
+            <a:ext cx="5618480" cy="489941"/>
+          </a:xfrm>
+        </p:spPr>
+        <p:txBody>
+          <a:bodyPr/>
+          <a:lstStyle/>
+          <a:p>
+            <a:r>
+              <a:rPr lang="en-US" sz="3200" dirty="0">
+                <a:latin typeface="+mn-lt"/>
+              </a:rPr>
+              <a:t>Appendix (Exam Perspective)</a:t>
+            </a:r>
+          </a:p>
+        </p:txBody>
+      </p:sp>
+      <p:sp>
+        <p:nvSpPr>
+          <p:cNvPr id="6" name="Rectangle 5">
+            <a:extLst>
+              <a:ext uri="{FF2B5EF4-FFF2-40B4-BE49-F238E27FC236}">
+                <a16:creationId xmlns:a16="http://schemas.microsoft.com/office/drawing/2014/main" id="{D199D879-559A-482F-90F6-CB7090E69367}"/>
+              </a:ext>
+            </a:extLst>
+          </p:cNvPr>
+          <p:cNvSpPr/>
+          <p:nvPr/>
+        </p:nvSpPr>
+        <p:spPr>
+          <a:xfrm>
+            <a:off x="213360" y="1109701"/>
+            <a:ext cx="11145520" cy="1450397"/>
+          </a:xfrm>
+          <a:prstGeom prst="rect">
+            <a:avLst/>
+          </a:prstGeom>
+        </p:spPr>
+        <p:txBody>
+          <a:bodyPr wrap="square">
+            <a:spAutoFit/>
+          </a:bodyPr>
+          <a:lstStyle/>
+          <a:p>
+            <a:r>
+              <a:rPr lang="en-US" dirty="0">
+                <a:hlinkClick r:id="rId2"/>
+              </a:rPr>
+              <a:t>https://docs.microsoft.com/en-in/azure/aks/container-service-quotas</a:t>
+            </a:r>
+            <a:endParaRPr lang="en-US" dirty="0"/>
+          </a:p>
+          <a:p>
+            <a:r>
+              <a:rPr lang="en-US" dirty="0">
+                <a:hlinkClick r:id="rId3"/>
+              </a:rPr>
+              <a:t>https://docs.microsoft.com/en-us/azure/dev-spaces/?toc=%2Fen-in%2Fazure%2Faks%2FTOC.json&amp;bc=%2Fen-in%2Fazure%2Fbread%2Ftoc.json</a:t>
+            </a:r>
+            <a:endParaRPr lang="en-US" dirty="0"/>
+          </a:p>
+          <a:p>
+            <a:r>
+              <a:rPr lang="en-US" dirty="0">
+                <a:hlinkClick r:id="rId4"/>
+              </a:rPr>
+              <a:t>https://docs.microsoft.com/en-in/azure/aks/supported-kubernetes-versions</a:t>
+            </a:r>
+            <a:endParaRPr lang="en-US" dirty="0"/>
+          </a:p>
+          <a:p>
+            <a:r>
+              <a:rPr lang="en-US" dirty="0"/>
+              <a:t>https://docs.microsoft.com/en-in/azure/aks/best-practices</a:t>
+            </a:r>
+          </a:p>
+        </p:txBody>
+      </p:sp>
+    </p:spTree>
+    <p:extLst>
+      <p:ext uri="{BB962C8B-B14F-4D97-AF65-F5344CB8AC3E}">
+        <p14:creationId xmlns:p14="http://schemas.microsoft.com/office/powerpoint/2010/main" val="84736132"/>
+      </p:ext>
+    </p:extLst>
+  </p:cSld>
+  <p:clrMapOvr>
+    <a:masterClrMapping/>
+  </p:clrMapOvr>
+  <p:transition>
+    <p:fade/>
+  </p:transition>
+</p:sld>
+</file>
+
+<file path=ppt/slides/slide2.xml><?xml version="1.0" encoding="utf-8"?>
+<p:sld xmlns:a="http://schemas.openxmlformats.org/drawingml/2006/main" xmlns:r="http://schemas.openxmlformats.org/officeDocument/2006/relationships" xmlns:p="http://schemas.openxmlformats.org/presentationml/2006/main">
+  <p:cSld>
+    <p:spTree>
+      <p:nvGrpSpPr>
+        <p:cNvPr id="1" name=""/>
+        <p:cNvGrpSpPr/>
+        <p:nvPr/>
+      </p:nvGrpSpPr>
+      <p:grpSpPr>
+        <a:xfrm>
+          <a:off x="0" y="0"/>
+          <a:ext cx="0" cy="0"/>
+          <a:chOff x="0" y="0"/>
+          <a:chExt cx="0" cy="0"/>
+        </a:xfrm>
+      </p:grpSpPr>
+      <p:sp>
+        <p:nvSpPr>
           <p:cNvPr id="61" name="Rectangle: Rounded Corners 60">
             <a:extLst>
               <a:ext uri="{FF2B5EF4-FFF2-40B4-BE49-F238E27FC236}">
@@ -16898,7 +17433,7 @@
 </p:sld>
 </file>
 
-<file path=ppt/slides/slide2.xml><?xml version="1.0" encoding="utf-8"?>
+<file path=ppt/slides/slide3.xml><?xml version="1.0" encoding="utf-8"?>
 <p:sld xmlns:a="http://schemas.openxmlformats.org/drawingml/2006/main" xmlns:r="http://schemas.openxmlformats.org/officeDocument/2006/relationships" xmlns:p="http://schemas.openxmlformats.org/presentationml/2006/main">
   <p:cSld>
     <p:spTree>
@@ -19148,7 +19683,7 @@
         </p:blipFill>
         <p:spPr bwMode="auto">
           <a:xfrm>
-            <a:off x="4536573" y="4112798"/>
+            <a:off x="4434815" y="4142760"/>
             <a:ext cx="467706" cy="467706"/>
           </a:xfrm>
           <a:prstGeom prst="rect">
@@ -21483,6 +22018,246 @@
                 </a:gradFill>
               </a:rPr>
               <a:t>kubelet</a:t>
+            </a:r>
+          </a:p>
+        </p:txBody>
+      </p:sp>
+      <p:sp>
+        <p:nvSpPr>
+          <p:cNvPr id="112" name="TextBox 111">
+            <a:extLst>
+              <a:ext uri="{FF2B5EF4-FFF2-40B4-BE49-F238E27FC236}">
+                <a16:creationId xmlns:a16="http://schemas.microsoft.com/office/drawing/2014/main" id="{8F83D913-15AE-4419-964A-B4C882028ABD}"/>
+              </a:ext>
+            </a:extLst>
+          </p:cNvPr>
+          <p:cNvSpPr txBox="1"/>
+          <p:nvPr/>
+        </p:nvSpPr>
+        <p:spPr>
+          <a:xfrm>
+            <a:off x="4162974" y="4612201"/>
+            <a:ext cx="893034" cy="615553"/>
+          </a:xfrm>
+          <a:prstGeom prst="rect">
+            <a:avLst/>
+          </a:prstGeom>
+          <a:noFill/>
+        </p:spPr>
+        <p:txBody>
+          <a:bodyPr wrap="square" lIns="0" tIns="0" rIns="0" bIns="0" rtlCol="0">
+            <a:spAutoFit/>
+          </a:bodyPr>
+          <a:lstStyle/>
+          <a:p>
+            <a:pPr algn="ctr"/>
+            <a:r>
+              <a:rPr lang="en-US" sz="2000" dirty="0" err="1">
+                <a:gradFill>
+                  <a:gsLst>
+                    <a:gs pos="2917">
+                      <a:schemeClr val="tx1"/>
+                    </a:gs>
+                    <a:gs pos="30000">
+                      <a:schemeClr val="tx1"/>
+                    </a:gs>
+                  </a:gsLst>
+                  <a:lin ang="5400000" scaled="0"/>
+                </a:gradFill>
+              </a:rPr>
+              <a:t>Kube</a:t>
+            </a:r>
+            <a:endParaRPr lang="en-US" sz="2000" dirty="0">
+              <a:gradFill>
+                <a:gsLst>
+                  <a:gs pos="2917">
+                    <a:schemeClr val="tx1"/>
+                  </a:gs>
+                  <a:gs pos="30000">
+                    <a:schemeClr val="tx1"/>
+                  </a:gs>
+                </a:gsLst>
+                <a:lin ang="5400000" scaled="0"/>
+              </a:gradFill>
+            </a:endParaRPr>
+          </a:p>
+          <a:p>
+            <a:pPr algn="ctr"/>
+            <a:r>
+              <a:rPr lang="en-US" sz="2000" dirty="0">
+                <a:gradFill>
+                  <a:gsLst>
+                    <a:gs pos="2917">
+                      <a:schemeClr val="tx1"/>
+                    </a:gs>
+                    <a:gs pos="30000">
+                      <a:schemeClr val="tx1"/>
+                    </a:gs>
+                  </a:gsLst>
+                  <a:lin ang="5400000" scaled="0"/>
+                </a:gradFill>
+              </a:rPr>
+              <a:t>proxy</a:t>
+            </a:r>
+          </a:p>
+        </p:txBody>
+      </p:sp>
+      <p:sp>
+        <p:nvSpPr>
+          <p:cNvPr id="113" name="TextBox 112">
+            <a:extLst>
+              <a:ext uri="{FF2B5EF4-FFF2-40B4-BE49-F238E27FC236}">
+                <a16:creationId xmlns:a16="http://schemas.microsoft.com/office/drawing/2014/main" id="{19532B6F-5290-4BCE-AC29-A2FE3BD434F2}"/>
+              </a:ext>
+            </a:extLst>
+          </p:cNvPr>
+          <p:cNvSpPr txBox="1"/>
+          <p:nvPr/>
+        </p:nvSpPr>
+        <p:spPr>
+          <a:xfrm>
+            <a:off x="8826356" y="4582865"/>
+            <a:ext cx="893034" cy="615553"/>
+          </a:xfrm>
+          <a:prstGeom prst="rect">
+            <a:avLst/>
+          </a:prstGeom>
+          <a:noFill/>
+        </p:spPr>
+        <p:txBody>
+          <a:bodyPr wrap="square" lIns="0" tIns="0" rIns="0" bIns="0" rtlCol="0">
+            <a:spAutoFit/>
+          </a:bodyPr>
+          <a:lstStyle/>
+          <a:p>
+            <a:pPr algn="ctr"/>
+            <a:r>
+              <a:rPr lang="en-US" sz="2000" dirty="0" err="1">
+                <a:gradFill>
+                  <a:gsLst>
+                    <a:gs pos="2917">
+                      <a:schemeClr val="tx1"/>
+                    </a:gs>
+                    <a:gs pos="30000">
+                      <a:schemeClr val="tx1"/>
+                    </a:gs>
+                  </a:gsLst>
+                  <a:lin ang="5400000" scaled="0"/>
+                </a:gradFill>
+              </a:rPr>
+              <a:t>Kube</a:t>
+            </a:r>
+            <a:endParaRPr lang="en-US" sz="2000" dirty="0">
+              <a:gradFill>
+                <a:gsLst>
+                  <a:gs pos="2917">
+                    <a:schemeClr val="tx1"/>
+                  </a:gs>
+                  <a:gs pos="30000">
+                    <a:schemeClr val="tx1"/>
+                  </a:gs>
+                </a:gsLst>
+                <a:lin ang="5400000" scaled="0"/>
+              </a:gradFill>
+            </a:endParaRPr>
+          </a:p>
+          <a:p>
+            <a:pPr algn="ctr"/>
+            <a:r>
+              <a:rPr lang="en-US" sz="2000" dirty="0">
+                <a:gradFill>
+                  <a:gsLst>
+                    <a:gs pos="2917">
+                      <a:schemeClr val="tx1"/>
+                    </a:gs>
+                    <a:gs pos="30000">
+                      <a:schemeClr val="tx1"/>
+                    </a:gs>
+                  </a:gsLst>
+                  <a:lin ang="5400000" scaled="0"/>
+                </a:gradFill>
+              </a:rPr>
+              <a:t>proxy</a:t>
+            </a:r>
+          </a:p>
+        </p:txBody>
+      </p:sp>
+      <p:sp>
+        <p:nvSpPr>
+          <p:cNvPr id="114" name="TextBox 113">
+            <a:extLst>
+              <a:ext uri="{FF2B5EF4-FFF2-40B4-BE49-F238E27FC236}">
+                <a16:creationId xmlns:a16="http://schemas.microsoft.com/office/drawing/2014/main" id="{D70C7FC5-E698-43ED-AF20-8ACF202995FD}"/>
+              </a:ext>
+            </a:extLst>
+          </p:cNvPr>
+          <p:cNvSpPr txBox="1"/>
+          <p:nvPr/>
+        </p:nvSpPr>
+        <p:spPr>
+          <a:xfrm>
+            <a:off x="5341497" y="4638136"/>
+            <a:ext cx="893034" cy="615553"/>
+          </a:xfrm>
+          <a:prstGeom prst="rect">
+            <a:avLst/>
+          </a:prstGeom>
+          <a:noFill/>
+        </p:spPr>
+        <p:txBody>
+          <a:bodyPr wrap="square" lIns="0" tIns="0" rIns="0" bIns="0" rtlCol="0">
+            <a:spAutoFit/>
+          </a:bodyPr>
+          <a:lstStyle/>
+          <a:p>
+            <a:pPr algn="ctr"/>
+            <a:r>
+              <a:rPr lang="en-US" sz="2000" dirty="0" err="1">
+                <a:gradFill>
+                  <a:gsLst>
+                    <a:gs pos="2917">
+                      <a:schemeClr val="tx1"/>
+                    </a:gs>
+                    <a:gs pos="30000">
+                      <a:schemeClr val="tx1"/>
+                    </a:gs>
+                  </a:gsLst>
+                  <a:lin ang="5400000" scaled="0"/>
+                </a:gradFill>
+              </a:rPr>
+              <a:t>Kube</a:t>
+            </a:r>
+            <a:endParaRPr lang="en-US" sz="2000" dirty="0">
+              <a:gradFill>
+                <a:gsLst>
+                  <a:gs pos="2917">
+                    <a:schemeClr val="tx1"/>
+                  </a:gs>
+                  <a:gs pos="30000">
+                    <a:schemeClr val="tx1"/>
+                  </a:gs>
+                </a:gsLst>
+                <a:lin ang="5400000" scaled="0"/>
+              </a:gradFill>
+            </a:endParaRPr>
+          </a:p>
+          <a:p>
+            <a:pPr algn="ctr"/>
+            <a:r>
+              <a:rPr lang="en-US" sz="2000" dirty="0">
+                <a:gradFill>
+                  <a:gsLst>
+                    <a:gs pos="2917">
+                      <a:schemeClr val="tx1"/>
+                    </a:gs>
+                    <a:gs pos="30000">
+                      <a:schemeClr val="tx1"/>
+                    </a:gs>
+                  </a:gsLst>
+                  <a:lin ang="5400000" scaled="0"/>
+                </a:gradFill>
+              </a:rPr>
+              <a:t>proxy</a:t>
             </a:r>
           </a:p>
         </p:txBody>
@@ -23830,6 +24605,111 @@
                                   </p:childTnLst>
                                 </p:cTn>
                               </p:par>
+                              <p:par>
+                                <p:cTn id="210" presetID="10" presetClass="entr" presetSubtype="0" fill="hold" grpId="0" nodeType="withEffect">
+                                  <p:stCondLst>
+                                    <p:cond delay="0"/>
+                                  </p:stCondLst>
+                                  <p:childTnLst>
+                                    <p:set>
+                                      <p:cBhvr>
+                                        <p:cTn id="211" dur="1" fill="hold">
+                                          <p:stCondLst>
+                                            <p:cond delay="0"/>
+                                          </p:stCondLst>
+                                        </p:cTn>
+                                        <p:tgtEl>
+                                          <p:spTgt spid="112"/>
+                                        </p:tgtEl>
+                                        <p:attrNameLst>
+                                          <p:attrName>style.visibility</p:attrName>
+                                        </p:attrNameLst>
+                                      </p:cBhvr>
+                                      <p:to>
+                                        <p:strVal val="visible"/>
+                                      </p:to>
+                                    </p:set>
+                                    <p:animEffect transition="in" filter="fade">
+                                      <p:cBhvr>
+                                        <p:cTn id="212" dur="500"/>
+                                        <p:tgtEl>
+                                          <p:spTgt spid="112"/>
+                                        </p:tgtEl>
+                                      </p:cBhvr>
+                                    </p:animEffect>
+                                  </p:childTnLst>
+                                </p:cTn>
+                              </p:par>
+                              <p:par>
+                                <p:cTn id="213" presetID="10" presetClass="entr" presetSubtype="0" fill="hold" grpId="0" nodeType="withEffect">
+                                  <p:stCondLst>
+                                    <p:cond delay="0"/>
+                                  </p:stCondLst>
+                                  <p:childTnLst>
+                                    <p:set>
+                                      <p:cBhvr>
+                                        <p:cTn id="214" dur="1" fill="hold">
+                                          <p:stCondLst>
+                                            <p:cond delay="0"/>
+                                          </p:stCondLst>
+                                        </p:cTn>
+                                        <p:tgtEl>
+                                          <p:spTgt spid="113"/>
+                                        </p:tgtEl>
+                                        <p:attrNameLst>
+                                          <p:attrName>style.visibility</p:attrName>
+                                        </p:attrNameLst>
+                                      </p:cBhvr>
+                                      <p:to>
+                                        <p:strVal val="visible"/>
+                                      </p:to>
+                                    </p:set>
+                                    <p:animEffect transition="in" filter="fade">
+                                      <p:cBhvr>
+                                        <p:cTn id="215" dur="500"/>
+                                        <p:tgtEl>
+                                          <p:spTgt spid="113"/>
+                                        </p:tgtEl>
+                                      </p:cBhvr>
+                                    </p:animEffect>
+                                  </p:childTnLst>
+                                </p:cTn>
+                              </p:par>
+                              <p:par>
+                                <p:cTn id="216" presetID="10" presetClass="entr" presetSubtype="0" fill="hold" grpId="0" nodeType="withEffect">
+                                  <p:stCondLst>
+                                    <p:cond delay="0"/>
+                                  </p:stCondLst>
+                                  <p:childTnLst>
+                                    <p:set>
+                                      <p:cBhvr>
+                                        <p:cTn id="217" dur="1" fill="hold">
+                                          <p:stCondLst>
+                                            <p:cond delay="0"/>
+                                          </p:stCondLst>
+                                        </p:cTn>
+                                        <p:tgtEl>
+                                          <p:spTgt spid="114"/>
+                                        </p:tgtEl>
+                                        <p:attrNameLst>
+                                          <p:attrName>style.visibility</p:attrName>
+                                        </p:attrNameLst>
+                                      </p:cBhvr>
+                                      <p:to>
+                                        <p:strVal val="visible"/>
+                                      </p:to>
+                                    </p:set>
+                                    <p:animEffect transition="in" filter="fade">
+                                      <p:cBhvr>
+                                        <p:cTn id="218" dur="500"/>
+                                        <p:tgtEl>
+                                          <p:spTgt spid="114"/>
+                                        </p:tgtEl>
+                                      </p:cBhvr>
+                                    </p:animEffect>
+                                  </p:childTnLst>
+                                </p:cTn>
+                              </p:par>
                             </p:childTnLst>
                           </p:cTn>
                         </p:par>
@@ -23884,121 +24764,11 @@
       <p:bldP spid="93" grpId="0"/>
       <p:bldP spid="106" grpId="0"/>
       <p:bldP spid="111" grpId="0"/>
+      <p:bldP spid="112" grpId="0"/>
+      <p:bldP spid="113" grpId="0"/>
+      <p:bldP spid="114" grpId="0"/>
     </p:bldLst>
   </p:timing>
-</p:sld>
-</file>
-
-<file path=ppt/slides/slide3.xml><?xml version="1.0" encoding="utf-8"?>
-<p:sld xmlns:a="http://schemas.openxmlformats.org/drawingml/2006/main" xmlns:r="http://schemas.openxmlformats.org/officeDocument/2006/relationships" xmlns:p="http://schemas.openxmlformats.org/presentationml/2006/main">
-  <p:cSld>
-    <p:spTree>
-      <p:nvGrpSpPr>
-        <p:cNvPr id="1" name=""/>
-        <p:cNvGrpSpPr/>
-        <p:nvPr/>
-      </p:nvGrpSpPr>
-      <p:grpSpPr>
-        <a:xfrm>
-          <a:off x="0" y="0"/>
-          <a:ext cx="0" cy="0"/>
-          <a:chOff x="0" y="0"/>
-          <a:chExt cx="0" cy="0"/>
-        </a:xfrm>
-      </p:grpSpPr>
-      <p:sp>
-        <p:nvSpPr>
-          <p:cNvPr id="2" name="Title 1">
-            <a:extLst>
-              <a:ext uri="{FF2B5EF4-FFF2-40B4-BE49-F238E27FC236}">
-                <a16:creationId xmlns:a16="http://schemas.microsoft.com/office/drawing/2014/main" id="{CF6415B8-E324-499C-B072-7BDCE2EF2FF0}"/>
-              </a:ext>
-            </a:extLst>
-          </p:cNvPr>
-          <p:cNvSpPr>
-            <a:spLocks noGrp="1"/>
-          </p:cNvSpPr>
-          <p:nvPr>
-            <p:ph type="title"/>
-          </p:nvPr>
-        </p:nvSpPr>
-        <p:spPr>
-          <a:xfrm>
-            <a:off x="339651" y="272382"/>
-            <a:ext cx="4161981" cy="553998"/>
-          </a:xfrm>
-        </p:spPr>
-        <p:txBody>
-          <a:bodyPr/>
-          <a:lstStyle/>
-          <a:p>
-            <a:r>
-              <a:rPr lang="en-US" dirty="0"/>
-              <a:t>Storage</a:t>
-            </a:r>
-          </a:p>
-        </p:txBody>
-      </p:sp>
-      <p:pic>
-        <p:nvPicPr>
-          <p:cNvPr id="1028" name="Picture 4" descr="https://cdn-images-1.medium.com/max/800/1*LFMMBlUysm87TjdHlrlMTQ.jpeg">
-            <a:extLst>
-              <a:ext uri="{FF2B5EF4-FFF2-40B4-BE49-F238E27FC236}">
-                <a16:creationId xmlns:a16="http://schemas.microsoft.com/office/drawing/2014/main" id="{C7EE9C32-90A9-4F05-80C9-5FF2BAAAC601}"/>
-              </a:ext>
-            </a:extLst>
-          </p:cNvPr>
-          <p:cNvPicPr>
-            <a:picLocks noChangeAspect="1" noChangeArrowheads="1"/>
-          </p:cNvPicPr>
-          <p:nvPr/>
-        </p:nvPicPr>
-        <p:blipFill>
-          <a:blip r:embed="rId2">
-            <a:extLst>
-              <a:ext uri="{28A0092B-C50C-407E-A947-70E740481C1C}">
-                <a14:useLocalDpi xmlns:a14="http://schemas.microsoft.com/office/drawing/2010/main" val="0"/>
-              </a:ext>
-            </a:extLst>
-          </a:blip>
-          <a:srcRect/>
-          <a:stretch>
-            <a:fillRect/>
-          </a:stretch>
-        </p:blipFill>
-        <p:spPr bwMode="auto">
-          <a:xfrm>
-            <a:off x="1638770" y="1293166"/>
-            <a:ext cx="8451528" cy="4753985"/>
-          </a:xfrm>
-          <a:prstGeom prst="rect">
-            <a:avLst/>
-          </a:prstGeom>
-          <a:noFill/>
-          <a:extLst>
-            <a:ext uri="{909E8E84-426E-40DD-AFC4-6F175D3DCCD1}">
-              <a14:hiddenFill xmlns:a14="http://schemas.microsoft.com/office/drawing/2010/main">
-                <a:solidFill>
-                  <a:srgbClr val="FFFFFF"/>
-                </a:solidFill>
-              </a14:hiddenFill>
-            </a:ext>
-          </a:extLst>
-        </p:spPr>
-      </p:pic>
-    </p:spTree>
-    <p:extLst>
-      <p:ext uri="{BB962C8B-B14F-4D97-AF65-F5344CB8AC3E}">
-        <p14:creationId xmlns:p14="http://schemas.microsoft.com/office/powerpoint/2010/main" val="1384842255"/>
-      </p:ext>
-    </p:extLst>
-  </p:cSld>
-  <p:clrMapOvr>
-    <a:masterClrMapping/>
-  </p:clrMapOvr>
-  <p:transition>
-    <p:fade/>
-  </p:transition>
 </p:sld>
 </file>
 
@@ -29094,6 +29864,2168 @@
 </p:sld>
 </file>
 
+<file path=ppt/slides/slide5.xml><?xml version="1.0" encoding="utf-8"?>
+<p:sld xmlns:a="http://schemas.openxmlformats.org/drawingml/2006/main" xmlns:r="http://schemas.openxmlformats.org/officeDocument/2006/relationships" xmlns:p="http://schemas.openxmlformats.org/presentationml/2006/main">
+  <p:cSld>
+    <p:spTree>
+      <p:nvGrpSpPr>
+        <p:cNvPr id="1" name=""/>
+        <p:cNvGrpSpPr/>
+        <p:nvPr/>
+      </p:nvGrpSpPr>
+      <p:grpSpPr>
+        <a:xfrm>
+          <a:off x="0" y="0"/>
+          <a:ext cx="0" cy="0"/>
+          <a:chOff x="0" y="0"/>
+          <a:chExt cx="0" cy="0"/>
+        </a:xfrm>
+      </p:grpSpPr>
+      <p:sp>
+        <p:nvSpPr>
+          <p:cNvPr id="6" name="Rectangle 5">
+            <a:extLst>
+              <a:ext uri="{FF2B5EF4-FFF2-40B4-BE49-F238E27FC236}">
+                <a16:creationId xmlns:a16="http://schemas.microsoft.com/office/drawing/2014/main" id="{C797A647-5DD9-48BA-8426-7B457E7E5A68}"/>
+              </a:ext>
+            </a:extLst>
+          </p:cNvPr>
+          <p:cNvSpPr/>
+          <p:nvPr/>
+        </p:nvSpPr>
+        <p:spPr>
+          <a:xfrm>
+            <a:off x="300027" y="1489844"/>
+            <a:ext cx="4851093" cy="1450397"/>
+          </a:xfrm>
+          <a:prstGeom prst="rect">
+            <a:avLst/>
+          </a:prstGeom>
+        </p:spPr>
+        <p:txBody>
+          <a:bodyPr wrap="square">
+            <a:spAutoFit/>
+          </a:bodyPr>
+          <a:lstStyle/>
+          <a:p>
+            <a:r>
+              <a:rPr lang="en-US" dirty="0"/>
+              <a:t>AKS –Engine can be used for cluster customization like Hybrid Cluster (Linux + Windows), Runtime Change (from Moby) can be done using AKS-Engine -&gt; https://github.com/Azure/aks-engine</a:t>
+            </a:r>
+          </a:p>
+        </p:txBody>
+      </p:sp>
+      <p:sp>
+        <p:nvSpPr>
+          <p:cNvPr id="7" name="Rectangle 6">
+            <a:extLst>
+              <a:ext uri="{FF2B5EF4-FFF2-40B4-BE49-F238E27FC236}">
+                <a16:creationId xmlns:a16="http://schemas.microsoft.com/office/drawing/2014/main" id="{45F61621-0E88-4DC0-96E9-FD8566BCF833}"/>
+              </a:ext>
+            </a:extLst>
+          </p:cNvPr>
+          <p:cNvSpPr/>
+          <p:nvPr/>
+        </p:nvSpPr>
+        <p:spPr>
+          <a:xfrm>
+            <a:off x="7569610" y="1489844"/>
+            <a:ext cx="4134710" cy="2265236"/>
+          </a:xfrm>
+          <a:prstGeom prst="rect">
+            <a:avLst/>
+          </a:prstGeom>
+        </p:spPr>
+        <p:txBody>
+          <a:bodyPr wrap="square">
+            <a:spAutoFit/>
+          </a:bodyPr>
+          <a:lstStyle/>
+          <a:p>
+            <a:r>
+              <a:rPr lang="en-US" dirty="0"/>
+              <a:t>The following are the resources reserved on each Node for System Services </a:t>
+            </a:r>
+          </a:p>
+          <a:p>
+            <a:r>
+              <a:rPr lang="en-US" b="1" dirty="0"/>
+              <a:t>CPU</a:t>
+            </a:r>
+            <a:r>
+              <a:rPr lang="en-US" dirty="0"/>
+              <a:t> - 60 </a:t>
+            </a:r>
+            <a:r>
+              <a:rPr lang="en-US" dirty="0" err="1"/>
+              <a:t>ms</a:t>
+            </a:r>
+            <a:endParaRPr lang="en-US" dirty="0"/>
+          </a:p>
+          <a:p>
+            <a:r>
+              <a:rPr lang="en-US" b="1" dirty="0"/>
+              <a:t>Memory</a:t>
+            </a:r>
+            <a:r>
+              <a:rPr lang="en-US" dirty="0"/>
+              <a:t> - 20% up to 4 </a:t>
+            </a:r>
+            <a:r>
+              <a:rPr lang="en-US" dirty="0" err="1"/>
+              <a:t>GiB</a:t>
+            </a:r>
+            <a:endParaRPr lang="en-US" dirty="0"/>
+          </a:p>
+          <a:p>
+            <a:r>
+              <a:rPr lang="en-US" dirty="0"/>
+              <a:t>This is on top of the resources occupied by the Node </a:t>
+            </a:r>
+          </a:p>
+          <a:p>
+            <a:endParaRPr lang="en-US" dirty="0"/>
+          </a:p>
+        </p:txBody>
+      </p:sp>
+      <p:sp>
+        <p:nvSpPr>
+          <p:cNvPr id="8" name="Rectangle 7">
+            <a:extLst>
+              <a:ext uri="{FF2B5EF4-FFF2-40B4-BE49-F238E27FC236}">
+                <a16:creationId xmlns:a16="http://schemas.microsoft.com/office/drawing/2014/main" id="{8D244DCE-9B96-4C27-AA7A-666826A4FDA3}"/>
+              </a:ext>
+            </a:extLst>
+          </p:cNvPr>
+          <p:cNvSpPr/>
+          <p:nvPr/>
+        </p:nvSpPr>
+        <p:spPr>
+          <a:xfrm>
+            <a:off x="5151120" y="1489844"/>
+            <a:ext cx="2042160" cy="907171"/>
+          </a:xfrm>
+          <a:prstGeom prst="rect">
+            <a:avLst/>
+          </a:prstGeom>
+        </p:spPr>
+        <p:txBody>
+          <a:bodyPr wrap="square">
+            <a:spAutoFit/>
+          </a:bodyPr>
+          <a:lstStyle/>
+          <a:p>
+            <a:r>
+              <a:rPr lang="en-US" i="0" dirty="0">
+                <a:solidFill>
+                  <a:srgbClr val="000000"/>
+                </a:solidFill>
+                <a:effectLst/>
+                <a:latin typeface="Segoe UI" panose="020B0502040204020203" pitchFamily="34" charset="0"/>
+              </a:rPr>
+              <a:t>AKS uses Node Pools to manage VM Pools</a:t>
+            </a:r>
+          </a:p>
+        </p:txBody>
+      </p:sp>
+      <p:sp>
+        <p:nvSpPr>
+          <p:cNvPr id="11" name="Title 1">
+            <a:extLst>
+              <a:ext uri="{FF2B5EF4-FFF2-40B4-BE49-F238E27FC236}">
+                <a16:creationId xmlns:a16="http://schemas.microsoft.com/office/drawing/2014/main" id="{7DE4A8AD-1DFF-4075-BB8B-0295479BA894}"/>
+              </a:ext>
+            </a:extLst>
+          </p:cNvPr>
+          <p:cNvSpPr>
+            <a:spLocks noGrp="1"/>
+          </p:cNvSpPr>
+          <p:nvPr>
+            <p:ph type="title"/>
+          </p:nvPr>
+        </p:nvSpPr>
+        <p:spPr>
+          <a:xfrm>
+            <a:off x="355805" y="218788"/>
+            <a:ext cx="2458515" cy="984885"/>
+          </a:xfrm>
+        </p:spPr>
+        <p:txBody>
+          <a:bodyPr/>
+          <a:lstStyle/>
+          <a:p>
+            <a:r>
+              <a:rPr lang="en-US" sz="3200" dirty="0">
+                <a:latin typeface="+mn-lt"/>
+              </a:rPr>
+              <a:t>Cluster Components</a:t>
+            </a:r>
+          </a:p>
+        </p:txBody>
+      </p:sp>
+      <p:sp>
+        <p:nvSpPr>
+          <p:cNvPr id="12" name="Rectangle 11">
+            <a:extLst>
+              <a:ext uri="{FF2B5EF4-FFF2-40B4-BE49-F238E27FC236}">
+                <a16:creationId xmlns:a16="http://schemas.microsoft.com/office/drawing/2014/main" id="{7A753293-F259-4E43-B103-F136C2B3AC14}"/>
+              </a:ext>
+            </a:extLst>
+          </p:cNvPr>
+          <p:cNvSpPr/>
+          <p:nvPr/>
+        </p:nvSpPr>
+        <p:spPr>
+          <a:xfrm>
+            <a:off x="213360" y="3429001"/>
+            <a:ext cx="3627120" cy="907171"/>
+          </a:xfrm>
+          <a:prstGeom prst="rect">
+            <a:avLst/>
+          </a:prstGeom>
+        </p:spPr>
+        <p:txBody>
+          <a:bodyPr wrap="square">
+            <a:spAutoFit/>
+          </a:bodyPr>
+          <a:lstStyle/>
+          <a:p>
+            <a:r>
+              <a:rPr lang="en-US" i="0" dirty="0">
+                <a:solidFill>
+                  <a:srgbClr val="000000"/>
+                </a:solidFill>
+                <a:effectLst/>
+                <a:latin typeface="Segoe UI" panose="020B0502040204020203" pitchFamily="34" charset="0"/>
+              </a:rPr>
+              <a:t>Choose VM Size with Premium disks for High-performance and availability</a:t>
+            </a:r>
+          </a:p>
+        </p:txBody>
+      </p:sp>
+      <p:sp>
+        <p:nvSpPr>
+          <p:cNvPr id="13" name="Rectangle 12">
+            <a:extLst>
+              <a:ext uri="{FF2B5EF4-FFF2-40B4-BE49-F238E27FC236}">
+                <a16:creationId xmlns:a16="http://schemas.microsoft.com/office/drawing/2014/main" id="{198BC0A4-29F0-4C14-B826-BBB9E5A1D48B}"/>
+              </a:ext>
+            </a:extLst>
+          </p:cNvPr>
+          <p:cNvSpPr/>
+          <p:nvPr/>
+        </p:nvSpPr>
+        <p:spPr>
+          <a:xfrm>
+            <a:off x="300027" y="4824932"/>
+            <a:ext cx="3627120" cy="907171"/>
+          </a:xfrm>
+          <a:prstGeom prst="rect">
+            <a:avLst/>
+          </a:prstGeom>
+        </p:spPr>
+        <p:txBody>
+          <a:bodyPr wrap="square">
+            <a:spAutoFit/>
+          </a:bodyPr>
+          <a:lstStyle/>
+          <a:p>
+            <a:r>
+              <a:rPr lang="en-US" i="0" dirty="0" err="1">
+                <a:solidFill>
+                  <a:srgbClr val="000000"/>
+                </a:solidFill>
+                <a:effectLst/>
+                <a:latin typeface="Segoe UI" panose="020B0502040204020203" pitchFamily="34" charset="0"/>
+              </a:rPr>
+              <a:t>VNet</a:t>
+            </a:r>
+            <a:r>
+              <a:rPr lang="en-US" i="0" dirty="0">
+                <a:solidFill>
+                  <a:srgbClr val="000000"/>
+                </a:solidFill>
+                <a:effectLst/>
+                <a:latin typeface="Segoe UI" panose="020B0502040204020203" pitchFamily="34" charset="0"/>
+              </a:rPr>
+              <a:t>, NSG, NIC, Subnets and few other networking resources are auto provisioned </a:t>
+            </a:r>
+          </a:p>
+        </p:txBody>
+      </p:sp>
+    </p:spTree>
+    <p:extLst>
+      <p:ext uri="{BB962C8B-B14F-4D97-AF65-F5344CB8AC3E}">
+        <p14:creationId xmlns:p14="http://schemas.microsoft.com/office/powerpoint/2010/main" val="3079453261"/>
+      </p:ext>
+    </p:extLst>
+  </p:cSld>
+  <p:clrMapOvr>
+    <a:masterClrMapping/>
+  </p:clrMapOvr>
+  <p:transition>
+    <p:fade/>
+  </p:transition>
+</p:sld>
+</file>
+
+<file path=ppt/slides/slide6.xml><?xml version="1.0" encoding="utf-8"?>
+<p:sld xmlns:a="http://schemas.openxmlformats.org/drawingml/2006/main" xmlns:r="http://schemas.openxmlformats.org/officeDocument/2006/relationships" xmlns:p="http://schemas.openxmlformats.org/presentationml/2006/main">
+  <p:cSld>
+    <p:spTree>
+      <p:nvGrpSpPr>
+        <p:cNvPr id="1" name=""/>
+        <p:cNvGrpSpPr/>
+        <p:nvPr/>
+      </p:nvGrpSpPr>
+      <p:grpSpPr>
+        <a:xfrm>
+          <a:off x="0" y="0"/>
+          <a:ext cx="0" cy="0"/>
+          <a:chOff x="0" y="0"/>
+          <a:chExt cx="0" cy="0"/>
+        </a:xfrm>
+      </p:grpSpPr>
+      <p:sp>
+        <p:nvSpPr>
+          <p:cNvPr id="2" name="Title 1">
+            <a:extLst>
+              <a:ext uri="{FF2B5EF4-FFF2-40B4-BE49-F238E27FC236}">
+                <a16:creationId xmlns:a16="http://schemas.microsoft.com/office/drawing/2014/main" id="{CF6415B8-E324-499C-B072-7BDCE2EF2FF0}"/>
+              </a:ext>
+            </a:extLst>
+          </p:cNvPr>
+          <p:cNvSpPr>
+            <a:spLocks noGrp="1"/>
+          </p:cNvSpPr>
+          <p:nvPr>
+            <p:ph type="title"/>
+          </p:nvPr>
+        </p:nvSpPr>
+        <p:spPr>
+          <a:xfrm>
+            <a:off x="339651" y="333938"/>
+            <a:ext cx="4161981" cy="492443"/>
+          </a:xfrm>
+        </p:spPr>
+        <p:txBody>
+          <a:bodyPr/>
+          <a:lstStyle/>
+          <a:p>
+            <a:r>
+              <a:rPr lang="en-US" sz="3200" dirty="0">
+                <a:latin typeface="+mn-lt"/>
+              </a:rPr>
+              <a:t>Storage</a:t>
+            </a:r>
+          </a:p>
+        </p:txBody>
+      </p:sp>
+      <p:sp>
+        <p:nvSpPr>
+          <p:cNvPr id="7" name="TextBox 6">
+            <a:extLst>
+              <a:ext uri="{FF2B5EF4-FFF2-40B4-BE49-F238E27FC236}">
+                <a16:creationId xmlns:a16="http://schemas.microsoft.com/office/drawing/2014/main" id="{97BF535C-76D6-476C-930C-1B704C502A58}"/>
+              </a:ext>
+            </a:extLst>
+          </p:cNvPr>
+          <p:cNvSpPr txBox="1"/>
+          <p:nvPr/>
+        </p:nvSpPr>
+        <p:spPr>
+          <a:xfrm>
+            <a:off x="6289040" y="1104627"/>
+            <a:ext cx="5547360" cy="3385542"/>
+          </a:xfrm>
+          <a:prstGeom prst="rect">
+            <a:avLst/>
+          </a:prstGeom>
+          <a:noFill/>
+        </p:spPr>
+        <p:txBody>
+          <a:bodyPr wrap="square" lIns="0" tIns="0" rIns="0" bIns="0" rtlCol="0">
+            <a:spAutoFit/>
+          </a:bodyPr>
+          <a:lstStyle/>
+          <a:p>
+            <a:pPr marL="342900" indent="-342900" algn="l">
+              <a:buFont typeface="Arial" panose="020B0604020202020204" pitchFamily="34" charset="0"/>
+              <a:buChar char="•"/>
+            </a:pPr>
+            <a:r>
+              <a:rPr lang="en-US" sz="2000" dirty="0">
+                <a:gradFill>
+                  <a:gsLst>
+                    <a:gs pos="2917">
+                      <a:schemeClr val="tx1"/>
+                    </a:gs>
+                    <a:gs pos="30000">
+                      <a:schemeClr val="tx1"/>
+                    </a:gs>
+                  </a:gsLst>
+                  <a:lin ang="5400000" scaled="0"/>
+                </a:gradFill>
+              </a:rPr>
+              <a:t>Volumes (per Pod </a:t>
+            </a:r>
+            <a:r>
+              <a:rPr lang="en-US" sz="2000" dirty="0" err="1">
+                <a:gradFill>
+                  <a:gsLst>
+                    <a:gs pos="2917">
+                      <a:schemeClr val="tx1"/>
+                    </a:gs>
+                    <a:gs pos="30000">
+                      <a:schemeClr val="tx1"/>
+                    </a:gs>
+                  </a:gsLst>
+                  <a:lin ang="5400000" scaled="0"/>
+                </a:gradFill>
+              </a:rPr>
+              <a:t>LifeCycle</a:t>
+            </a:r>
+            <a:r>
+              <a:rPr lang="en-US" sz="2000" dirty="0">
+                <a:gradFill>
+                  <a:gsLst>
+                    <a:gs pos="2917">
+                      <a:schemeClr val="tx1"/>
+                    </a:gs>
+                    <a:gs pos="30000">
+                      <a:schemeClr val="tx1"/>
+                    </a:gs>
+                  </a:gsLst>
+                  <a:lin ang="5400000" scaled="0"/>
+                </a:gradFill>
+              </a:rPr>
+              <a:t>)</a:t>
+            </a:r>
+          </a:p>
+          <a:p>
+            <a:pPr marL="800083" lvl="1" indent="-342900">
+              <a:buFont typeface="Arial" panose="020B0604020202020204" pitchFamily="34" charset="0"/>
+              <a:buChar char="•"/>
+            </a:pPr>
+            <a:r>
+              <a:rPr lang="en-US" sz="2000" dirty="0" err="1">
+                <a:gradFill>
+                  <a:gsLst>
+                    <a:gs pos="2917">
+                      <a:schemeClr val="tx1"/>
+                    </a:gs>
+                    <a:gs pos="30000">
+                      <a:schemeClr val="tx1"/>
+                    </a:gs>
+                  </a:gsLst>
+                  <a:lin ang="5400000" scaled="0"/>
+                </a:gradFill>
+              </a:rPr>
+              <a:t>emptyDir</a:t>
+            </a:r>
+            <a:r>
+              <a:rPr lang="en-US" sz="2000" dirty="0">
+                <a:gradFill>
+                  <a:gsLst>
+                    <a:gs pos="2917">
+                      <a:schemeClr val="tx1"/>
+                    </a:gs>
+                    <a:gs pos="30000">
+                      <a:schemeClr val="tx1"/>
+                    </a:gs>
+                  </a:gsLst>
+                  <a:lin ang="5400000" scaled="0"/>
+                </a:gradFill>
+              </a:rPr>
+              <a:t> – storage for pod</a:t>
+            </a:r>
+          </a:p>
+          <a:p>
+            <a:pPr marL="800083" lvl="1" indent="-342900">
+              <a:buFont typeface="Arial" panose="020B0604020202020204" pitchFamily="34" charset="0"/>
+              <a:buChar char="•"/>
+            </a:pPr>
+            <a:r>
+              <a:rPr lang="en-US" sz="2000" dirty="0">
+                <a:gradFill>
+                  <a:gsLst>
+                    <a:gs pos="2917">
+                      <a:schemeClr val="tx1"/>
+                    </a:gs>
+                    <a:gs pos="30000">
+                      <a:schemeClr val="tx1"/>
+                    </a:gs>
+                  </a:gsLst>
+                  <a:lin ang="5400000" scaled="0"/>
+                </a:gradFill>
+              </a:rPr>
+              <a:t>Secret – stored at node level, per NS</a:t>
+            </a:r>
+          </a:p>
+          <a:p>
+            <a:pPr marL="800083" lvl="1" indent="-342900">
+              <a:buFont typeface="Arial" panose="020B0604020202020204" pitchFamily="34" charset="0"/>
+              <a:buChar char="•"/>
+            </a:pPr>
+            <a:r>
+              <a:rPr lang="en-US" sz="2000" dirty="0" err="1">
+                <a:gradFill>
+                  <a:gsLst>
+                    <a:gs pos="2917">
+                      <a:schemeClr val="tx1"/>
+                    </a:gs>
+                    <a:gs pos="30000">
+                      <a:schemeClr val="tx1"/>
+                    </a:gs>
+                  </a:gsLst>
+                  <a:lin ang="5400000" scaled="0"/>
+                </a:gradFill>
+              </a:rPr>
+              <a:t>Configmap</a:t>
+            </a:r>
+            <a:r>
+              <a:rPr lang="en-US" sz="2000" dirty="0">
+                <a:gradFill>
+                  <a:gsLst>
+                    <a:gs pos="2917">
+                      <a:schemeClr val="tx1"/>
+                    </a:gs>
+                    <a:gs pos="30000">
+                      <a:schemeClr val="tx1"/>
+                    </a:gs>
+                  </a:gsLst>
+                  <a:lin ang="5400000" scaled="0"/>
+                </a:gradFill>
+              </a:rPr>
+              <a:t> – per NS</a:t>
+            </a:r>
+          </a:p>
+          <a:p>
+            <a:pPr marL="342900" indent="-342900" algn="l">
+              <a:buFont typeface="Arial" panose="020B0604020202020204" pitchFamily="34" charset="0"/>
+              <a:buChar char="•"/>
+            </a:pPr>
+            <a:r>
+              <a:rPr lang="en-US" sz="2000" dirty="0">
+                <a:gradFill>
+                  <a:gsLst>
+                    <a:gs pos="2917">
+                      <a:schemeClr val="tx1"/>
+                    </a:gs>
+                    <a:gs pos="30000">
+                      <a:schemeClr val="tx1"/>
+                    </a:gs>
+                  </a:gsLst>
+                  <a:lin ang="5400000" scaled="0"/>
+                </a:gradFill>
+              </a:rPr>
+              <a:t>Persistent Volumes (beyond Pod lifetime)</a:t>
+            </a:r>
+          </a:p>
+          <a:p>
+            <a:pPr marL="800083" lvl="1" indent="-342900">
+              <a:buFont typeface="Arial" panose="020B0604020202020204" pitchFamily="34" charset="0"/>
+              <a:buChar char="•"/>
+            </a:pPr>
+            <a:r>
+              <a:rPr lang="en-US" sz="2000" dirty="0">
+                <a:gradFill>
+                  <a:gsLst>
+                    <a:gs pos="2917">
+                      <a:schemeClr val="tx1"/>
+                    </a:gs>
+                    <a:gs pos="30000">
+                      <a:schemeClr val="tx1"/>
+                    </a:gs>
+                  </a:gsLst>
+                  <a:lin ang="5400000" scaled="0"/>
+                </a:gradFill>
+              </a:rPr>
+              <a:t>Azure Disks </a:t>
+            </a:r>
+          </a:p>
+          <a:p>
+            <a:pPr marL="800083" lvl="1" indent="-342900">
+              <a:buFont typeface="Arial" panose="020B0604020202020204" pitchFamily="34" charset="0"/>
+              <a:buChar char="•"/>
+            </a:pPr>
+            <a:r>
+              <a:rPr lang="en-US" sz="2000" dirty="0">
+                <a:gradFill>
+                  <a:gsLst>
+                    <a:gs pos="2917">
+                      <a:schemeClr val="tx1"/>
+                    </a:gs>
+                    <a:gs pos="30000">
+                      <a:schemeClr val="tx1"/>
+                    </a:gs>
+                  </a:gsLst>
+                  <a:lin ang="5400000" scaled="0"/>
+                </a:gradFill>
+              </a:rPr>
+              <a:t>Azure Files (only standard storage available)</a:t>
+            </a:r>
+          </a:p>
+          <a:p>
+            <a:pPr marL="342900" indent="-342900" algn="l">
+              <a:buFont typeface="Arial" panose="020B0604020202020204" pitchFamily="34" charset="0"/>
+              <a:buChar char="•"/>
+            </a:pPr>
+            <a:r>
+              <a:rPr lang="en-US" sz="2000" dirty="0">
+                <a:gradFill>
+                  <a:gsLst>
+                    <a:gs pos="2917">
+                      <a:schemeClr val="tx1"/>
+                    </a:gs>
+                    <a:gs pos="30000">
+                      <a:schemeClr val="tx1"/>
+                    </a:gs>
+                  </a:gsLst>
+                  <a:lin ang="5400000" scaled="0"/>
+                </a:gradFill>
+              </a:rPr>
+              <a:t>Initial </a:t>
+            </a:r>
+            <a:r>
+              <a:rPr lang="en-US" sz="2000" dirty="0" err="1">
+                <a:gradFill>
+                  <a:gsLst>
+                    <a:gs pos="2917">
+                      <a:schemeClr val="tx1"/>
+                    </a:gs>
+                    <a:gs pos="30000">
+                      <a:schemeClr val="tx1"/>
+                    </a:gs>
+                  </a:gsLst>
+                  <a:lin ang="5400000" scaled="0"/>
+                </a:gradFill>
+              </a:rPr>
+              <a:t>StorageClasses</a:t>
+            </a:r>
+            <a:r>
+              <a:rPr lang="en-US" sz="2000" dirty="0">
+                <a:gradFill>
+                  <a:gsLst>
+                    <a:gs pos="2917">
+                      <a:schemeClr val="tx1"/>
+                    </a:gs>
+                    <a:gs pos="30000">
+                      <a:schemeClr val="tx1"/>
+                    </a:gs>
+                  </a:gsLst>
+                  <a:lin ang="5400000" scaled="0"/>
+                </a:gradFill>
+              </a:rPr>
+              <a:t> </a:t>
+            </a:r>
+          </a:p>
+          <a:p>
+            <a:pPr marL="800083" lvl="1" indent="-342900">
+              <a:buFont typeface="Arial" panose="020B0604020202020204" pitchFamily="34" charset="0"/>
+              <a:buChar char="•"/>
+            </a:pPr>
+            <a:r>
+              <a:rPr lang="en-US" sz="2000" dirty="0">
+                <a:gradFill>
+                  <a:gsLst>
+                    <a:gs pos="2917">
+                      <a:schemeClr val="tx1"/>
+                    </a:gs>
+                    <a:gs pos="30000">
+                      <a:schemeClr val="tx1"/>
+                    </a:gs>
+                  </a:gsLst>
+                  <a:lin ang="5400000" scaled="0"/>
+                </a:gradFill>
+              </a:rPr>
+              <a:t>Default (Standard Storage, Managed Disk)</a:t>
+            </a:r>
+          </a:p>
+          <a:p>
+            <a:pPr marL="800083" lvl="1" indent="-342900">
+              <a:buFont typeface="Arial" panose="020B0604020202020204" pitchFamily="34" charset="0"/>
+              <a:buChar char="•"/>
+            </a:pPr>
+            <a:r>
+              <a:rPr lang="en-US" sz="2000" dirty="0">
+                <a:gradFill>
+                  <a:gsLst>
+                    <a:gs pos="2917">
+                      <a:schemeClr val="tx1"/>
+                    </a:gs>
+                    <a:gs pos="30000">
+                      <a:schemeClr val="tx1"/>
+                    </a:gs>
+                  </a:gsLst>
+                  <a:lin ang="5400000" scaled="0"/>
+                </a:gradFill>
+              </a:rPr>
+              <a:t>Managed Premium (Premium Storage)</a:t>
+            </a:r>
+          </a:p>
+        </p:txBody>
+      </p:sp>
+      <p:pic>
+        <p:nvPicPr>
+          <p:cNvPr id="11" name="Picture 10">
+            <a:extLst>
+              <a:ext uri="{FF2B5EF4-FFF2-40B4-BE49-F238E27FC236}">
+                <a16:creationId xmlns:a16="http://schemas.microsoft.com/office/drawing/2014/main" id="{F38B288D-4806-4E5C-AFF3-9A4CB6ED72B8}"/>
+              </a:ext>
+            </a:extLst>
+          </p:cNvPr>
+          <p:cNvPicPr>
+            <a:picLocks noChangeAspect="1"/>
+          </p:cNvPicPr>
+          <p:nvPr/>
+        </p:nvPicPr>
+        <p:blipFill>
+          <a:blip r:embed="rId2"/>
+          <a:stretch>
+            <a:fillRect/>
+          </a:stretch>
+        </p:blipFill>
+        <p:spPr>
+          <a:xfrm>
+            <a:off x="60437" y="1457767"/>
+            <a:ext cx="6035563" cy="2225233"/>
+          </a:xfrm>
+          <a:prstGeom prst="rect">
+            <a:avLst/>
+          </a:prstGeom>
+        </p:spPr>
+      </p:pic>
+    </p:spTree>
+    <p:extLst>
+      <p:ext uri="{BB962C8B-B14F-4D97-AF65-F5344CB8AC3E}">
+        <p14:creationId xmlns:p14="http://schemas.microsoft.com/office/powerpoint/2010/main" val="1384842255"/>
+      </p:ext>
+    </p:extLst>
+  </p:cSld>
+  <p:clrMapOvr>
+    <a:masterClrMapping/>
+  </p:clrMapOvr>
+  <p:transition>
+    <p:fade/>
+  </p:transition>
+</p:sld>
+</file>
+
+<file path=ppt/slides/slide7.xml><?xml version="1.0" encoding="utf-8"?>
+<p:sld xmlns:a="http://schemas.openxmlformats.org/drawingml/2006/main" xmlns:r="http://schemas.openxmlformats.org/officeDocument/2006/relationships" xmlns:p="http://schemas.openxmlformats.org/presentationml/2006/main">
+  <p:cSld>
+    <p:spTree>
+      <p:nvGrpSpPr>
+        <p:cNvPr id="1" name=""/>
+        <p:cNvGrpSpPr/>
+        <p:nvPr/>
+      </p:nvGrpSpPr>
+      <p:grpSpPr>
+        <a:xfrm>
+          <a:off x="0" y="0"/>
+          <a:ext cx="0" cy="0"/>
+          <a:chOff x="0" y="0"/>
+          <a:chExt cx="0" cy="0"/>
+        </a:xfrm>
+      </p:grpSpPr>
+      <p:sp>
+        <p:nvSpPr>
+          <p:cNvPr id="2" name="Title 1">
+            <a:extLst>
+              <a:ext uri="{FF2B5EF4-FFF2-40B4-BE49-F238E27FC236}">
+                <a16:creationId xmlns:a16="http://schemas.microsoft.com/office/drawing/2014/main" id="{CF6415B8-E324-499C-B072-7BDCE2EF2FF0}"/>
+              </a:ext>
+            </a:extLst>
+          </p:cNvPr>
+          <p:cNvSpPr>
+            <a:spLocks noGrp="1"/>
+          </p:cNvSpPr>
+          <p:nvPr>
+            <p:ph type="title"/>
+          </p:nvPr>
+        </p:nvSpPr>
+        <p:spPr>
+          <a:xfrm>
+            <a:off x="357148" y="227575"/>
+            <a:ext cx="3899892" cy="984885"/>
+          </a:xfrm>
+        </p:spPr>
+        <p:txBody>
+          <a:bodyPr/>
+          <a:lstStyle/>
+          <a:p>
+            <a:r>
+              <a:rPr lang="en-US" sz="3200" dirty="0">
+                <a:latin typeface="+mn-lt"/>
+              </a:rPr>
+              <a:t>Monitoring &amp; Telemetry</a:t>
+            </a:r>
+          </a:p>
+        </p:txBody>
+      </p:sp>
+      <p:sp>
+        <p:nvSpPr>
+          <p:cNvPr id="7" name="TextBox 6">
+            <a:extLst>
+              <a:ext uri="{FF2B5EF4-FFF2-40B4-BE49-F238E27FC236}">
+                <a16:creationId xmlns:a16="http://schemas.microsoft.com/office/drawing/2014/main" id="{97BF535C-76D6-476C-930C-1B704C502A58}"/>
+              </a:ext>
+            </a:extLst>
+          </p:cNvPr>
+          <p:cNvSpPr txBox="1"/>
+          <p:nvPr/>
+        </p:nvSpPr>
+        <p:spPr>
+          <a:xfrm>
+            <a:off x="357148" y="1700039"/>
+            <a:ext cx="6033492" cy="3108543"/>
+          </a:xfrm>
+          <a:prstGeom prst="rect">
+            <a:avLst/>
+          </a:prstGeom>
+          <a:noFill/>
+        </p:spPr>
+        <p:txBody>
+          <a:bodyPr wrap="square" lIns="0" tIns="0" rIns="0" bIns="0" rtlCol="0">
+            <a:spAutoFit/>
+          </a:bodyPr>
+          <a:lstStyle/>
+          <a:p>
+            <a:pPr marL="342900" indent="-342900" algn="l">
+              <a:buFont typeface="Arial" panose="020B0604020202020204" pitchFamily="34" charset="0"/>
+              <a:buChar char="•"/>
+            </a:pPr>
+            <a:r>
+              <a:rPr lang="en-US" sz="2000" dirty="0">
+                <a:gradFill>
+                  <a:gsLst>
+                    <a:gs pos="2917">
+                      <a:schemeClr val="tx1"/>
+                    </a:gs>
+                    <a:gs pos="30000">
+                      <a:schemeClr val="tx1"/>
+                    </a:gs>
+                  </a:gsLst>
+                  <a:lin ang="5400000" scaled="0"/>
+                </a:gradFill>
+              </a:rPr>
+              <a:t>AKS Nodes, Containers can be monitored using Log Analytics.</a:t>
+            </a:r>
+          </a:p>
+          <a:p>
+            <a:pPr marL="342900" indent="-342900" algn="l">
+              <a:buFont typeface="Arial" panose="020B0604020202020204" pitchFamily="34" charset="0"/>
+              <a:buChar char="•"/>
+            </a:pPr>
+            <a:r>
+              <a:rPr lang="en-US" sz="2000" dirty="0">
+                <a:gradFill>
+                  <a:gsLst>
+                    <a:gs pos="2917">
+                      <a:schemeClr val="tx1"/>
+                    </a:gs>
+                    <a:gs pos="30000">
+                      <a:schemeClr val="tx1"/>
+                    </a:gs>
+                  </a:gsLst>
+                  <a:lin ang="5400000" scaled="0"/>
+                </a:gradFill>
+              </a:rPr>
+              <a:t>If you have a custom monitor solution and you want to ensure this solution is deployed on every node, use Daemon Sets</a:t>
+            </a:r>
+          </a:p>
+          <a:p>
+            <a:pPr marL="342900" indent="-342900" algn="l">
+              <a:buFont typeface="Arial" panose="020B0604020202020204" pitchFamily="34" charset="0"/>
+              <a:buChar char="•"/>
+            </a:pPr>
+            <a:r>
+              <a:rPr lang="en-US" sz="2000" dirty="0">
+                <a:gradFill>
+                  <a:gsLst>
+                    <a:gs pos="2917">
+                      <a:schemeClr val="tx1"/>
+                    </a:gs>
+                    <a:gs pos="30000">
+                      <a:schemeClr val="tx1"/>
+                    </a:gs>
+                  </a:gsLst>
+                  <a:lin ang="5400000" scaled="0"/>
+                </a:gradFill>
+              </a:rPr>
+              <a:t>You can turn on Master Diagnostic Logs as well</a:t>
+            </a:r>
+          </a:p>
+          <a:p>
+            <a:r>
+              <a:rPr lang="en-US" sz="1400" dirty="0">
+                <a:gradFill>
+                  <a:gsLst>
+                    <a:gs pos="2917">
+                      <a:schemeClr val="tx1"/>
+                    </a:gs>
+                    <a:gs pos="30000">
+                      <a:schemeClr val="tx1"/>
+                    </a:gs>
+                  </a:gsLst>
+                  <a:lin ang="5400000" scaled="0"/>
+                </a:gradFill>
+              </a:rPr>
+              <a:t>	</a:t>
+            </a:r>
+            <a:r>
+              <a:rPr lang="en-US" sz="1400" dirty="0" err="1">
+                <a:gradFill>
+                  <a:gsLst>
+                    <a:gs pos="2917">
+                      <a:schemeClr val="tx1"/>
+                    </a:gs>
+                    <a:gs pos="30000">
+                      <a:schemeClr val="tx1"/>
+                    </a:gs>
+                  </a:gsLst>
+                  <a:lin ang="5400000" scaled="0"/>
+                </a:gradFill>
+              </a:rPr>
+              <a:t>AzureDiagnostics</a:t>
+            </a:r>
+            <a:endParaRPr lang="en-US" sz="1400" dirty="0">
+              <a:gradFill>
+                <a:gsLst>
+                  <a:gs pos="2917">
+                    <a:schemeClr val="tx1"/>
+                  </a:gs>
+                  <a:gs pos="30000">
+                    <a:schemeClr val="tx1"/>
+                  </a:gs>
+                </a:gsLst>
+                <a:lin ang="5400000" scaled="0"/>
+              </a:gradFill>
+            </a:endParaRPr>
+          </a:p>
+          <a:p>
+            <a:r>
+              <a:rPr lang="en-US" sz="1400" dirty="0">
+                <a:gradFill>
+                  <a:gsLst>
+                    <a:gs pos="2917">
+                      <a:schemeClr val="tx1"/>
+                    </a:gs>
+                    <a:gs pos="30000">
+                      <a:schemeClr val="tx1"/>
+                    </a:gs>
+                  </a:gsLst>
+                  <a:lin ang="5400000" scaled="0"/>
+                </a:gradFill>
+              </a:rPr>
+              <a:t>	| where Category == "</a:t>
+            </a:r>
+            <a:r>
+              <a:rPr lang="en-US" sz="1400" dirty="0" err="1">
+                <a:gradFill>
+                  <a:gsLst>
+                    <a:gs pos="2917">
+                      <a:schemeClr val="tx1"/>
+                    </a:gs>
+                    <a:gs pos="30000">
+                      <a:schemeClr val="tx1"/>
+                    </a:gs>
+                  </a:gsLst>
+                  <a:lin ang="5400000" scaled="0"/>
+                </a:gradFill>
+              </a:rPr>
+              <a:t>kube-apiserver</a:t>
+            </a:r>
+            <a:r>
+              <a:rPr lang="en-US" sz="1400" dirty="0">
+                <a:gradFill>
+                  <a:gsLst>
+                    <a:gs pos="2917">
+                      <a:schemeClr val="tx1"/>
+                    </a:gs>
+                    <a:gs pos="30000">
+                      <a:schemeClr val="tx1"/>
+                    </a:gs>
+                  </a:gsLst>
+                  <a:lin ang="5400000" scaled="0"/>
+                </a:gradFill>
+              </a:rPr>
+              <a:t>"</a:t>
+            </a:r>
+          </a:p>
+          <a:p>
+            <a:r>
+              <a:rPr lang="en-US" sz="1400" dirty="0">
+                <a:gradFill>
+                  <a:gsLst>
+                    <a:gs pos="2917">
+                      <a:schemeClr val="tx1"/>
+                    </a:gs>
+                    <a:gs pos="30000">
+                      <a:schemeClr val="tx1"/>
+                    </a:gs>
+                  </a:gsLst>
+                  <a:lin ang="5400000" scaled="0"/>
+                </a:gradFill>
+              </a:rPr>
+              <a:t>	| project </a:t>
+            </a:r>
+            <a:r>
+              <a:rPr lang="en-US" sz="1400" dirty="0" err="1">
+                <a:gradFill>
+                  <a:gsLst>
+                    <a:gs pos="2917">
+                      <a:schemeClr val="tx1"/>
+                    </a:gs>
+                    <a:gs pos="30000">
+                      <a:schemeClr val="tx1"/>
+                    </a:gs>
+                  </a:gsLst>
+                  <a:lin ang="5400000" scaled="0"/>
+                </a:gradFill>
+              </a:rPr>
+              <a:t>log_s</a:t>
+            </a:r>
+            <a:endParaRPr lang="en-US" sz="1400" dirty="0">
+              <a:gradFill>
+                <a:gsLst>
+                  <a:gs pos="2917">
+                    <a:schemeClr val="tx1"/>
+                  </a:gs>
+                  <a:gs pos="30000">
+                    <a:schemeClr val="tx1"/>
+                  </a:gs>
+                </a:gsLst>
+                <a:lin ang="5400000" scaled="0"/>
+              </a:gradFill>
+            </a:endParaRPr>
+          </a:p>
+          <a:p>
+            <a:pPr marL="285750" indent="-285750">
+              <a:buFont typeface="Arial" panose="020B0604020202020204" pitchFamily="34" charset="0"/>
+              <a:buChar char="•"/>
+            </a:pPr>
+            <a:r>
+              <a:rPr lang="en-US" sz="2000" dirty="0">
+                <a:gradFill>
+                  <a:gsLst>
+                    <a:gs pos="2917">
+                      <a:schemeClr val="tx1"/>
+                    </a:gs>
+                    <a:gs pos="30000">
+                      <a:schemeClr val="tx1"/>
+                    </a:gs>
+                  </a:gsLst>
+                  <a:lin ang="5400000" scaled="0"/>
+                </a:gradFill>
+              </a:rPr>
+              <a:t>Use </a:t>
+            </a:r>
+            <a:r>
+              <a:rPr lang="en-US" sz="2000" dirty="0" err="1">
+                <a:gradFill>
+                  <a:gsLst>
+                    <a:gs pos="2917">
+                      <a:schemeClr val="tx1"/>
+                    </a:gs>
+                    <a:gs pos="30000">
+                      <a:schemeClr val="tx1"/>
+                    </a:gs>
+                  </a:gsLst>
+                  <a:lin ang="5400000" scaled="0"/>
+                </a:gradFill>
+              </a:rPr>
+              <a:t>Journelctl</a:t>
+            </a:r>
+            <a:r>
+              <a:rPr lang="en-US" sz="2000" dirty="0">
+                <a:gradFill>
+                  <a:gsLst>
+                    <a:gs pos="2917">
+                      <a:schemeClr val="tx1"/>
+                    </a:gs>
+                    <a:gs pos="30000">
+                      <a:schemeClr val="tx1"/>
+                    </a:gs>
+                  </a:gsLst>
+                  <a:lin ang="5400000" scaled="0"/>
+                </a:gradFill>
+              </a:rPr>
+              <a:t> to view </a:t>
+            </a:r>
+            <a:r>
+              <a:rPr lang="en-US" sz="2000" dirty="0" err="1">
+                <a:gradFill>
+                  <a:gsLst>
+                    <a:gs pos="2917">
+                      <a:schemeClr val="tx1"/>
+                    </a:gs>
+                    <a:gs pos="30000">
+                      <a:schemeClr val="tx1"/>
+                    </a:gs>
+                  </a:gsLst>
+                  <a:lin ang="5400000" scaled="0"/>
+                </a:gradFill>
+              </a:rPr>
+              <a:t>kubelet</a:t>
+            </a:r>
+            <a:r>
+              <a:rPr lang="en-US" sz="2000" dirty="0">
+                <a:gradFill>
+                  <a:gsLst>
+                    <a:gs pos="2917">
+                      <a:schemeClr val="tx1"/>
+                    </a:gs>
+                    <a:gs pos="30000">
+                      <a:schemeClr val="tx1"/>
+                    </a:gs>
+                  </a:gsLst>
+                  <a:lin ang="5400000" scaled="0"/>
+                </a:gradFill>
+              </a:rPr>
+              <a:t> logs</a:t>
+            </a:r>
+          </a:p>
+          <a:p>
+            <a:pPr marL="285750" indent="-285750">
+              <a:buFont typeface="Arial" panose="020B0604020202020204" pitchFamily="34" charset="0"/>
+              <a:buChar char="•"/>
+            </a:pPr>
+            <a:r>
+              <a:rPr lang="en-US" sz="2000" dirty="0">
+                <a:gradFill>
+                  <a:gsLst>
+                    <a:gs pos="2917">
+                      <a:schemeClr val="tx1"/>
+                    </a:gs>
+                    <a:gs pos="30000">
+                      <a:schemeClr val="tx1"/>
+                    </a:gs>
+                  </a:gsLst>
+                  <a:lin ang="5400000" scaled="0"/>
+                </a:gradFill>
+              </a:rPr>
+              <a:t>Pod Level Logs (Live Metrics)</a:t>
+            </a:r>
+          </a:p>
+        </p:txBody>
+      </p:sp>
+      <p:pic>
+        <p:nvPicPr>
+          <p:cNvPr id="3" name="Picture 2">
+            <a:extLst>
+              <a:ext uri="{FF2B5EF4-FFF2-40B4-BE49-F238E27FC236}">
+                <a16:creationId xmlns:a16="http://schemas.microsoft.com/office/drawing/2014/main" id="{0196B843-B601-487A-904F-CC9E90529B02}"/>
+              </a:ext>
+            </a:extLst>
+          </p:cNvPr>
+          <p:cNvPicPr>
+            <a:picLocks noChangeAspect="1"/>
+          </p:cNvPicPr>
+          <p:nvPr/>
+        </p:nvPicPr>
+        <p:blipFill>
+          <a:blip r:embed="rId2"/>
+          <a:stretch>
+            <a:fillRect/>
+          </a:stretch>
+        </p:blipFill>
+        <p:spPr>
+          <a:xfrm>
+            <a:off x="6323621" y="406248"/>
+            <a:ext cx="5511231" cy="1869592"/>
+          </a:xfrm>
+          <a:prstGeom prst="rect">
+            <a:avLst/>
+          </a:prstGeom>
+        </p:spPr>
+      </p:pic>
+    </p:spTree>
+    <p:extLst>
+      <p:ext uri="{BB962C8B-B14F-4D97-AF65-F5344CB8AC3E}">
+        <p14:creationId xmlns:p14="http://schemas.microsoft.com/office/powerpoint/2010/main" val="330491289"/>
+      </p:ext>
+    </p:extLst>
+  </p:cSld>
+  <p:clrMapOvr>
+    <a:masterClrMapping/>
+  </p:clrMapOvr>
+  <p:transition>
+    <p:fade/>
+  </p:transition>
+</p:sld>
+</file>
+
+<file path=ppt/slides/slide8.xml><?xml version="1.0" encoding="utf-8"?>
+<p:sld xmlns:a="http://schemas.openxmlformats.org/drawingml/2006/main" xmlns:r="http://schemas.openxmlformats.org/officeDocument/2006/relationships" xmlns:p="http://schemas.openxmlformats.org/presentationml/2006/main">
+  <p:cSld>
+    <p:spTree>
+      <p:nvGrpSpPr>
+        <p:cNvPr id="1" name=""/>
+        <p:cNvGrpSpPr/>
+        <p:nvPr/>
+      </p:nvGrpSpPr>
+      <p:grpSpPr>
+        <a:xfrm>
+          <a:off x="0" y="0"/>
+          <a:ext cx="0" cy="0"/>
+          <a:chOff x="0" y="0"/>
+          <a:chExt cx="0" cy="0"/>
+        </a:xfrm>
+      </p:grpSpPr>
+      <p:sp>
+        <p:nvSpPr>
+          <p:cNvPr id="2" name="Title 1">
+            <a:extLst>
+              <a:ext uri="{FF2B5EF4-FFF2-40B4-BE49-F238E27FC236}">
+                <a16:creationId xmlns:a16="http://schemas.microsoft.com/office/drawing/2014/main" id="{CF6415B8-E324-499C-B072-7BDCE2EF2FF0}"/>
+              </a:ext>
+            </a:extLst>
+          </p:cNvPr>
+          <p:cNvSpPr>
+            <a:spLocks noGrp="1"/>
+          </p:cNvSpPr>
+          <p:nvPr>
+            <p:ph type="title"/>
+          </p:nvPr>
+        </p:nvSpPr>
+        <p:spPr>
+          <a:xfrm>
+            <a:off x="519708" y="170157"/>
+            <a:ext cx="3899892" cy="492443"/>
+          </a:xfrm>
+        </p:spPr>
+        <p:txBody>
+          <a:bodyPr/>
+          <a:lstStyle/>
+          <a:p>
+            <a:r>
+              <a:rPr lang="en-US" sz="3200" dirty="0">
+                <a:latin typeface="+mn-lt"/>
+              </a:rPr>
+              <a:t>Networking</a:t>
+            </a:r>
+          </a:p>
+        </p:txBody>
+      </p:sp>
+      <p:sp>
+        <p:nvSpPr>
+          <p:cNvPr id="7" name="TextBox 6">
+            <a:extLst>
+              <a:ext uri="{FF2B5EF4-FFF2-40B4-BE49-F238E27FC236}">
+                <a16:creationId xmlns:a16="http://schemas.microsoft.com/office/drawing/2014/main" id="{97BF535C-76D6-476C-930C-1B704C502A58}"/>
+              </a:ext>
+            </a:extLst>
+          </p:cNvPr>
+          <p:cNvSpPr txBox="1"/>
+          <p:nvPr/>
+        </p:nvSpPr>
+        <p:spPr>
+          <a:xfrm>
+            <a:off x="245388" y="788864"/>
+            <a:ext cx="5182049" cy="3077766"/>
+          </a:xfrm>
+          <a:prstGeom prst="rect">
+            <a:avLst/>
+          </a:prstGeom>
+          <a:noFill/>
+        </p:spPr>
+        <p:txBody>
+          <a:bodyPr wrap="square" lIns="0" tIns="0" rIns="0" bIns="0" rtlCol="0">
+            <a:spAutoFit/>
+          </a:bodyPr>
+          <a:lstStyle/>
+          <a:p>
+            <a:pPr marL="342900" indent="-342900" algn="l">
+              <a:buFont typeface="Arial" panose="020B0604020202020204" pitchFamily="34" charset="0"/>
+              <a:buChar char="•"/>
+            </a:pPr>
+            <a:r>
+              <a:rPr lang="en-US" sz="2000" dirty="0">
+                <a:gradFill>
+                  <a:gsLst>
+                    <a:gs pos="2917">
+                      <a:schemeClr val="tx1"/>
+                    </a:gs>
+                    <a:gs pos="30000">
+                      <a:schemeClr val="tx1"/>
+                    </a:gs>
+                  </a:gsLst>
+                  <a:lin ang="5400000" scaled="0"/>
+                </a:gradFill>
+              </a:rPr>
+              <a:t>Nodes are part of VNET by default</a:t>
+            </a:r>
+          </a:p>
+          <a:p>
+            <a:pPr marL="342900" indent="-342900" algn="l">
+              <a:buFont typeface="Arial" panose="020B0604020202020204" pitchFamily="34" charset="0"/>
+              <a:buChar char="•"/>
+            </a:pPr>
+            <a:r>
+              <a:rPr lang="en-US" sz="2000" dirty="0" err="1">
+                <a:gradFill>
+                  <a:gsLst>
+                    <a:gs pos="2917">
+                      <a:schemeClr val="tx1"/>
+                    </a:gs>
+                    <a:gs pos="30000">
+                      <a:schemeClr val="tx1"/>
+                    </a:gs>
+                  </a:gsLst>
+                  <a:lin ang="5400000" scaled="0"/>
+                </a:gradFill>
+              </a:rPr>
+              <a:t>Kube</a:t>
+            </a:r>
+            <a:r>
+              <a:rPr lang="en-US" sz="2000" dirty="0">
+                <a:gradFill>
+                  <a:gsLst>
+                    <a:gs pos="2917">
+                      <a:schemeClr val="tx1"/>
+                    </a:gs>
+                    <a:gs pos="30000">
+                      <a:schemeClr val="tx1"/>
+                    </a:gs>
+                  </a:gsLst>
+                  <a:lin ang="5400000" scaled="0"/>
+                </a:gradFill>
+              </a:rPr>
+              <a:t>-proxy uses the K8s Networking abstraction to provide internal </a:t>
+            </a:r>
+            <a:r>
+              <a:rPr lang="en-US" sz="2000" dirty="0" err="1">
+                <a:gradFill>
+                  <a:gsLst>
+                    <a:gs pos="2917">
+                      <a:schemeClr val="tx1"/>
+                    </a:gs>
+                    <a:gs pos="30000">
+                      <a:schemeClr val="tx1"/>
+                    </a:gs>
+                  </a:gsLst>
+                  <a:lin ang="5400000" scaled="0"/>
+                </a:gradFill>
+              </a:rPr>
+              <a:t>Ips</a:t>
+            </a:r>
+            <a:endParaRPr lang="en-US" sz="2000" dirty="0">
+              <a:gradFill>
+                <a:gsLst>
+                  <a:gs pos="2917">
+                    <a:schemeClr val="tx1"/>
+                  </a:gs>
+                  <a:gs pos="30000">
+                    <a:schemeClr val="tx1"/>
+                  </a:gs>
+                </a:gsLst>
+                <a:lin ang="5400000" scaled="0"/>
+              </a:gradFill>
+            </a:endParaRPr>
+          </a:p>
+          <a:p>
+            <a:pPr marL="342900" indent="-342900" algn="l">
+              <a:buFont typeface="Arial" panose="020B0604020202020204" pitchFamily="34" charset="0"/>
+              <a:buChar char="•"/>
+            </a:pPr>
+            <a:r>
+              <a:rPr lang="en-US" sz="2000" dirty="0">
+                <a:gradFill>
+                  <a:gsLst>
+                    <a:gs pos="2917">
+                      <a:schemeClr val="tx1"/>
+                    </a:gs>
+                    <a:gs pos="30000">
+                      <a:schemeClr val="tx1"/>
+                    </a:gs>
+                  </a:gsLst>
+                  <a:lin ang="5400000" scaled="0"/>
+                </a:gradFill>
+              </a:rPr>
+              <a:t>Pods are grouped as Services and can be accessed  via. DNS or IP. </a:t>
+            </a:r>
+          </a:p>
+          <a:p>
+            <a:pPr marL="342900" indent="-342900" algn="l">
+              <a:buFont typeface="Arial" panose="020B0604020202020204" pitchFamily="34" charset="0"/>
+              <a:buChar char="•"/>
+            </a:pPr>
+            <a:r>
+              <a:rPr lang="en-US" sz="2000" dirty="0">
+                <a:gradFill>
+                  <a:gsLst>
+                    <a:gs pos="2917">
+                      <a:schemeClr val="tx1"/>
+                    </a:gs>
+                    <a:gs pos="30000">
+                      <a:schemeClr val="tx1"/>
+                    </a:gs>
+                  </a:gsLst>
+                  <a:lin ang="5400000" scaled="0"/>
+                </a:gradFill>
+              </a:rPr>
+              <a:t>More complex routing can be achieved by using Ingress Controllers</a:t>
+            </a:r>
+          </a:p>
+          <a:p>
+            <a:pPr marL="342900" indent="-342900" algn="l">
+              <a:buFont typeface="Arial" panose="020B0604020202020204" pitchFamily="34" charset="0"/>
+              <a:buChar char="•"/>
+            </a:pPr>
+            <a:r>
+              <a:rPr lang="en-US" sz="2000" dirty="0" err="1">
+                <a:gradFill>
+                  <a:gsLst>
+                    <a:gs pos="2917">
+                      <a:schemeClr val="tx1"/>
+                    </a:gs>
+                    <a:gs pos="30000">
+                      <a:schemeClr val="tx1"/>
+                    </a:gs>
+                  </a:gsLst>
+                  <a:lin ang="5400000" scaled="0"/>
+                </a:gradFill>
+              </a:rPr>
+              <a:t>Kubenet</a:t>
+            </a:r>
+            <a:r>
+              <a:rPr lang="en-US" sz="2000" dirty="0">
+                <a:gradFill>
+                  <a:gsLst>
+                    <a:gs pos="2917">
+                      <a:schemeClr val="tx1"/>
+                    </a:gs>
+                    <a:gs pos="30000">
+                      <a:schemeClr val="tx1"/>
+                    </a:gs>
+                  </a:gsLst>
+                  <a:lin ang="5400000" scaled="0"/>
+                </a:gradFill>
+              </a:rPr>
+              <a:t>, Azure CNI Networking</a:t>
+            </a:r>
+          </a:p>
+          <a:p>
+            <a:pPr marL="342900" indent="-342900" algn="l">
+              <a:buFont typeface="Arial" panose="020B0604020202020204" pitchFamily="34" charset="0"/>
+              <a:buChar char="•"/>
+            </a:pPr>
+            <a:r>
+              <a:rPr lang="en-US" sz="2000" dirty="0">
+                <a:gradFill>
+                  <a:gsLst>
+                    <a:gs pos="2917">
+                      <a:schemeClr val="tx1"/>
+                    </a:gs>
+                    <a:gs pos="30000">
+                      <a:schemeClr val="tx1"/>
+                    </a:gs>
+                  </a:gsLst>
+                  <a:lin ang="5400000" scaled="0"/>
+                </a:gradFill>
+                <a:hlinkClick r:id="rId2"/>
+              </a:rPr>
+              <a:t>Ingress Controllers</a:t>
+            </a:r>
+            <a:endParaRPr lang="en-US" sz="2000" dirty="0">
+              <a:gradFill>
+                <a:gsLst>
+                  <a:gs pos="2917">
+                    <a:schemeClr val="tx1"/>
+                  </a:gs>
+                  <a:gs pos="30000">
+                    <a:schemeClr val="tx1"/>
+                  </a:gs>
+                </a:gsLst>
+                <a:lin ang="5400000" scaled="0"/>
+              </a:gradFill>
+            </a:endParaRPr>
+          </a:p>
+          <a:p>
+            <a:pPr marL="342900" indent="-342900" algn="l">
+              <a:buFont typeface="Arial" panose="020B0604020202020204" pitchFamily="34" charset="0"/>
+              <a:buChar char="•"/>
+            </a:pPr>
+            <a:endParaRPr lang="en-US" sz="2000" dirty="0">
+              <a:gradFill>
+                <a:gsLst>
+                  <a:gs pos="2917">
+                    <a:schemeClr val="tx1"/>
+                  </a:gs>
+                  <a:gs pos="30000">
+                    <a:schemeClr val="tx1"/>
+                  </a:gs>
+                </a:gsLst>
+                <a:lin ang="5400000" scaled="0"/>
+              </a:gradFill>
+            </a:endParaRPr>
+          </a:p>
+        </p:txBody>
+      </p:sp>
+      <p:pic>
+        <p:nvPicPr>
+          <p:cNvPr id="7170" name="Picture 2" descr="Diagram showing Cluster IP traffic flow in an AKS cluster">
+            <a:extLst>
+              <a:ext uri="{FF2B5EF4-FFF2-40B4-BE49-F238E27FC236}">
+                <a16:creationId xmlns:a16="http://schemas.microsoft.com/office/drawing/2014/main" id="{35AE90FB-AF99-4068-B098-225DDD7DC4AB}"/>
+              </a:ext>
+            </a:extLst>
+          </p:cNvPr>
+          <p:cNvPicPr>
+            <a:picLocks noChangeAspect="1" noChangeArrowheads="1"/>
+          </p:cNvPicPr>
+          <p:nvPr/>
+        </p:nvPicPr>
+        <p:blipFill>
+          <a:blip r:embed="rId3">
+            <a:extLst>
+              <a:ext uri="{28A0092B-C50C-407E-A947-70E740481C1C}">
+                <a14:useLocalDpi xmlns:a14="http://schemas.microsoft.com/office/drawing/2010/main" val="0"/>
+              </a:ext>
+            </a:extLst>
+          </a:blip>
+          <a:srcRect/>
+          <a:stretch>
+            <a:fillRect/>
+          </a:stretch>
+        </p:blipFill>
+        <p:spPr bwMode="auto">
+          <a:xfrm>
+            <a:off x="6508750" y="407702"/>
+            <a:ext cx="3207937" cy="944912"/>
+          </a:xfrm>
+          <a:prstGeom prst="rect">
+            <a:avLst/>
+          </a:prstGeom>
+          <a:noFill/>
+          <a:extLst>
+            <a:ext uri="{909E8E84-426E-40DD-AFC4-6F175D3DCCD1}">
+              <a14:hiddenFill xmlns:a14="http://schemas.microsoft.com/office/drawing/2010/main">
+                <a:solidFill>
+                  <a:srgbClr val="FFFFFF"/>
+                </a:solidFill>
+              </a14:hiddenFill>
+            </a:ext>
+          </a:extLst>
+        </p:spPr>
+      </p:pic>
+      <p:pic>
+        <p:nvPicPr>
+          <p:cNvPr id="7172" name="Picture 4" descr="Diagram showing NodePort traffic flow in an AKS cluster">
+            <a:extLst>
+              <a:ext uri="{FF2B5EF4-FFF2-40B4-BE49-F238E27FC236}">
+                <a16:creationId xmlns:a16="http://schemas.microsoft.com/office/drawing/2014/main" id="{4D268139-DC28-44DC-BDF0-B9938C515BFD}"/>
+              </a:ext>
+            </a:extLst>
+          </p:cNvPr>
+          <p:cNvPicPr>
+            <a:picLocks noChangeAspect="1" noChangeArrowheads="1"/>
+          </p:cNvPicPr>
+          <p:nvPr/>
+        </p:nvPicPr>
+        <p:blipFill>
+          <a:blip r:embed="rId4">
+            <a:extLst>
+              <a:ext uri="{28A0092B-C50C-407E-A947-70E740481C1C}">
+                <a14:useLocalDpi xmlns:a14="http://schemas.microsoft.com/office/drawing/2010/main" val="0"/>
+              </a:ext>
+            </a:extLst>
+          </a:blip>
+          <a:srcRect/>
+          <a:stretch>
+            <a:fillRect/>
+          </a:stretch>
+        </p:blipFill>
+        <p:spPr bwMode="auto">
+          <a:xfrm>
+            <a:off x="6508750" y="1530634"/>
+            <a:ext cx="5007332" cy="1027145"/>
+          </a:xfrm>
+          <a:prstGeom prst="rect">
+            <a:avLst/>
+          </a:prstGeom>
+          <a:noFill/>
+          <a:extLst>
+            <a:ext uri="{909E8E84-426E-40DD-AFC4-6F175D3DCCD1}">
+              <a14:hiddenFill xmlns:a14="http://schemas.microsoft.com/office/drawing/2010/main">
+                <a:solidFill>
+                  <a:srgbClr val="FFFFFF"/>
+                </a:solidFill>
+              </a14:hiddenFill>
+            </a:ext>
+          </a:extLst>
+        </p:spPr>
+      </p:pic>
+      <p:pic>
+        <p:nvPicPr>
+          <p:cNvPr id="5" name="Picture 4">
+            <a:extLst>
+              <a:ext uri="{FF2B5EF4-FFF2-40B4-BE49-F238E27FC236}">
+                <a16:creationId xmlns:a16="http://schemas.microsoft.com/office/drawing/2014/main" id="{9034E560-C61B-4F59-9F0D-52A4A44C6BA4}"/>
+              </a:ext>
+            </a:extLst>
+          </p:cNvPr>
+          <p:cNvPicPr>
+            <a:picLocks noChangeAspect="1"/>
+          </p:cNvPicPr>
+          <p:nvPr/>
+        </p:nvPicPr>
+        <p:blipFill>
+          <a:blip r:embed="rId5"/>
+          <a:stretch>
+            <a:fillRect/>
+          </a:stretch>
+        </p:blipFill>
+        <p:spPr>
+          <a:xfrm>
+            <a:off x="6508750" y="2611703"/>
+            <a:ext cx="5182049" cy="1470787"/>
+          </a:xfrm>
+          <a:prstGeom prst="rect">
+            <a:avLst/>
+          </a:prstGeom>
+        </p:spPr>
+      </p:pic>
+      <p:pic>
+        <p:nvPicPr>
+          <p:cNvPr id="8" name="Picture 7">
+            <a:extLst>
+              <a:ext uri="{FF2B5EF4-FFF2-40B4-BE49-F238E27FC236}">
+                <a16:creationId xmlns:a16="http://schemas.microsoft.com/office/drawing/2014/main" id="{350CE3ED-C68A-4DAA-A32C-E2B7EABF2E13}"/>
+              </a:ext>
+            </a:extLst>
+          </p:cNvPr>
+          <p:cNvPicPr>
+            <a:picLocks noChangeAspect="1"/>
+          </p:cNvPicPr>
+          <p:nvPr/>
+        </p:nvPicPr>
+        <p:blipFill>
+          <a:blip r:embed="rId6"/>
+          <a:stretch>
+            <a:fillRect/>
+          </a:stretch>
+        </p:blipFill>
+        <p:spPr>
+          <a:xfrm>
+            <a:off x="5640348" y="4149974"/>
+            <a:ext cx="6469941" cy="2354784"/>
+          </a:xfrm>
+          <a:prstGeom prst="rect">
+            <a:avLst/>
+          </a:prstGeom>
+        </p:spPr>
+      </p:pic>
+    </p:spTree>
+    <p:extLst>
+      <p:ext uri="{BB962C8B-B14F-4D97-AF65-F5344CB8AC3E}">
+        <p14:creationId xmlns:p14="http://schemas.microsoft.com/office/powerpoint/2010/main" val="3796786157"/>
+      </p:ext>
+    </p:extLst>
+  </p:cSld>
+  <p:clrMapOvr>
+    <a:masterClrMapping/>
+  </p:clrMapOvr>
+  <p:transition>
+    <p:fade/>
+  </p:transition>
+</p:sld>
+</file>
+
+<file path=ppt/slides/slide9.xml><?xml version="1.0" encoding="utf-8"?>
+<p:sld xmlns:a="http://schemas.openxmlformats.org/drawingml/2006/main" xmlns:r="http://schemas.openxmlformats.org/officeDocument/2006/relationships" xmlns:p="http://schemas.openxmlformats.org/presentationml/2006/main">
+  <p:cSld>
+    <p:spTree>
+      <p:nvGrpSpPr>
+        <p:cNvPr id="1" name=""/>
+        <p:cNvGrpSpPr/>
+        <p:nvPr/>
+      </p:nvGrpSpPr>
+      <p:grpSpPr>
+        <a:xfrm>
+          <a:off x="0" y="0"/>
+          <a:ext cx="0" cy="0"/>
+          <a:chOff x="0" y="0"/>
+          <a:chExt cx="0" cy="0"/>
+        </a:xfrm>
+      </p:grpSpPr>
+      <p:sp>
+        <p:nvSpPr>
+          <p:cNvPr id="5" name="Title 1">
+            <a:extLst>
+              <a:ext uri="{FF2B5EF4-FFF2-40B4-BE49-F238E27FC236}">
+                <a16:creationId xmlns:a16="http://schemas.microsoft.com/office/drawing/2014/main" id="{596CEEB9-146A-4545-BB65-4C95720161D7}"/>
+              </a:ext>
+            </a:extLst>
+          </p:cNvPr>
+          <p:cNvSpPr>
+            <a:spLocks noGrp="1"/>
+          </p:cNvSpPr>
+          <p:nvPr>
+            <p:ph type="title"/>
+          </p:nvPr>
+        </p:nvSpPr>
+        <p:spPr>
+          <a:xfrm>
+            <a:off x="204355" y="190698"/>
+            <a:ext cx="4195875" cy="1292662"/>
+          </a:xfrm>
+        </p:spPr>
+        <p:txBody>
+          <a:bodyPr/>
+          <a:lstStyle/>
+          <a:p>
+            <a:r>
+              <a:rPr lang="en-US" sz="2800" dirty="0">
+                <a:latin typeface="+mn-lt"/>
+              </a:rPr>
+              <a:t>Identity &amp; Access Management Recommendations</a:t>
+            </a:r>
+          </a:p>
+        </p:txBody>
+      </p:sp>
+      <p:sp>
+        <p:nvSpPr>
+          <p:cNvPr id="2" name="TextBox 1">
+            <a:extLst>
+              <a:ext uri="{FF2B5EF4-FFF2-40B4-BE49-F238E27FC236}">
+                <a16:creationId xmlns:a16="http://schemas.microsoft.com/office/drawing/2014/main" id="{F51D29D1-320B-478D-A700-2392C4D1E0B1}"/>
+              </a:ext>
+            </a:extLst>
+          </p:cNvPr>
+          <p:cNvSpPr txBox="1"/>
+          <p:nvPr/>
+        </p:nvSpPr>
+        <p:spPr>
+          <a:xfrm>
+            <a:off x="5435601" y="1491178"/>
+            <a:ext cx="6389484" cy="4154984"/>
+          </a:xfrm>
+          <a:prstGeom prst="rect">
+            <a:avLst/>
+          </a:prstGeom>
+          <a:noFill/>
+        </p:spPr>
+        <p:txBody>
+          <a:bodyPr wrap="square" lIns="0" tIns="0" rIns="0" bIns="0" rtlCol="0">
+            <a:spAutoFit/>
+          </a:bodyPr>
+          <a:lstStyle/>
+          <a:p>
+            <a:pPr marL="342900" indent="-342900" algn="l">
+              <a:buFont typeface="Arial" panose="020B0604020202020204" pitchFamily="34" charset="0"/>
+              <a:buChar char="•"/>
+            </a:pPr>
+            <a:r>
+              <a:rPr lang="en-US" sz="1800" dirty="0">
+                <a:gradFill>
+                  <a:gsLst>
+                    <a:gs pos="2917">
+                      <a:schemeClr val="tx1"/>
+                    </a:gs>
+                    <a:gs pos="30000">
+                      <a:schemeClr val="tx1"/>
+                    </a:gs>
+                  </a:gsLst>
+                  <a:lin ang="5400000" scaled="0"/>
+                </a:gradFill>
+              </a:rPr>
+              <a:t>AKS Cluster can be logically divided into multiple namespaces to restrict access, for ex: Dev, Test, Prod.</a:t>
+            </a:r>
+          </a:p>
+          <a:p>
+            <a:pPr marL="342900" indent="-342900" algn="l">
+              <a:buFont typeface="Arial" panose="020B0604020202020204" pitchFamily="34" charset="0"/>
+              <a:buChar char="•"/>
+            </a:pPr>
+            <a:r>
+              <a:rPr lang="en-US" sz="1800" dirty="0">
+                <a:gradFill>
+                  <a:gsLst>
+                    <a:gs pos="2917">
+                      <a:schemeClr val="tx1"/>
+                    </a:gs>
+                    <a:gs pos="30000">
+                      <a:schemeClr val="tx1"/>
+                    </a:gs>
+                  </a:gsLst>
+                  <a:lin ang="5400000" scaled="0"/>
+                </a:gradFill>
+              </a:rPr>
+              <a:t>Default Namespaces – default, </a:t>
+            </a:r>
+            <a:r>
+              <a:rPr lang="en-US" sz="1800" dirty="0" err="1">
+                <a:gradFill>
+                  <a:gsLst>
+                    <a:gs pos="2917">
+                      <a:schemeClr val="tx1"/>
+                    </a:gs>
+                    <a:gs pos="30000">
+                      <a:schemeClr val="tx1"/>
+                    </a:gs>
+                  </a:gsLst>
+                  <a:lin ang="5400000" scaled="0"/>
+                </a:gradFill>
+              </a:rPr>
+              <a:t>kube</a:t>
+            </a:r>
+            <a:r>
+              <a:rPr lang="en-US" sz="1800" dirty="0">
+                <a:gradFill>
+                  <a:gsLst>
+                    <a:gs pos="2917">
+                      <a:schemeClr val="tx1"/>
+                    </a:gs>
+                    <a:gs pos="30000">
+                      <a:schemeClr val="tx1"/>
+                    </a:gs>
+                  </a:gsLst>
+                  <a:lin ang="5400000" scaled="0"/>
+                </a:gradFill>
+              </a:rPr>
+              <a:t>-system, </a:t>
+            </a:r>
+            <a:r>
+              <a:rPr lang="en-US" sz="1800" dirty="0" err="1">
+                <a:gradFill>
+                  <a:gsLst>
+                    <a:gs pos="2917">
+                      <a:schemeClr val="tx1"/>
+                    </a:gs>
+                    <a:gs pos="30000">
+                      <a:schemeClr val="tx1"/>
+                    </a:gs>
+                  </a:gsLst>
+                  <a:lin ang="5400000" scaled="0"/>
+                </a:gradFill>
+              </a:rPr>
+              <a:t>kube</a:t>
+            </a:r>
+            <a:r>
+              <a:rPr lang="en-US" sz="1800" dirty="0">
+                <a:gradFill>
+                  <a:gsLst>
+                    <a:gs pos="2917">
+                      <a:schemeClr val="tx1"/>
+                    </a:gs>
+                    <a:gs pos="30000">
+                      <a:schemeClr val="tx1"/>
+                    </a:gs>
+                  </a:gsLst>
+                  <a:lin ang="5400000" scaled="0"/>
+                </a:gradFill>
+              </a:rPr>
+              <a:t>-dashboard</a:t>
+            </a:r>
+          </a:p>
+          <a:p>
+            <a:pPr marL="342900" indent="-342900" algn="l">
+              <a:buFont typeface="Arial" panose="020B0604020202020204" pitchFamily="34" charset="0"/>
+              <a:buChar char="•"/>
+            </a:pPr>
+            <a:r>
+              <a:rPr lang="en-US" sz="1800" dirty="0">
+                <a:gradFill>
+                  <a:gsLst>
+                    <a:gs pos="2917">
+                      <a:schemeClr val="tx1"/>
+                    </a:gs>
+                    <a:gs pos="30000">
+                      <a:schemeClr val="tx1"/>
+                    </a:gs>
+                  </a:gsLst>
+                  <a:lin ang="5400000" scaled="0"/>
+                </a:gradFill>
+              </a:rPr>
+              <a:t>Integrate with AAD to login to AKS clusters, for fine grained used RBAC.</a:t>
+            </a:r>
+          </a:p>
+          <a:p>
+            <a:pPr marL="342900" indent="-342900" algn="l">
+              <a:buFont typeface="Arial" panose="020B0604020202020204" pitchFamily="34" charset="0"/>
+              <a:buChar char="•"/>
+            </a:pPr>
+            <a:r>
+              <a:rPr lang="en-US" sz="1800" dirty="0">
+                <a:gradFill>
+                  <a:gsLst>
+                    <a:gs pos="2917">
+                      <a:schemeClr val="tx1"/>
+                    </a:gs>
+                    <a:gs pos="30000">
+                      <a:schemeClr val="tx1"/>
+                    </a:gs>
+                  </a:gsLst>
+                  <a:lin ang="5400000" scaled="0"/>
+                </a:gradFill>
+              </a:rPr>
+              <a:t>AKS uses RBAC to grant permissions, there is no deny.</a:t>
+            </a:r>
+          </a:p>
+          <a:p>
+            <a:pPr marL="342900" indent="-342900" algn="l">
+              <a:buFont typeface="Arial" panose="020B0604020202020204" pitchFamily="34" charset="0"/>
+              <a:buChar char="•"/>
+            </a:pPr>
+            <a:r>
+              <a:rPr lang="en-US" sz="1800" dirty="0">
+                <a:gradFill>
+                  <a:gsLst>
+                    <a:gs pos="2917">
+                      <a:schemeClr val="tx1"/>
+                    </a:gs>
+                    <a:gs pos="30000">
+                      <a:schemeClr val="tx1"/>
+                    </a:gs>
+                  </a:gsLst>
+                  <a:lin ang="5400000" scaled="0"/>
+                </a:gradFill>
+              </a:rPr>
+              <a:t>RBAC roles are used to define permissions within namespace for cluster level use </a:t>
+            </a:r>
+            <a:r>
+              <a:rPr lang="en-US" sz="1800" dirty="0" err="1">
+                <a:gradFill>
+                  <a:gsLst>
+                    <a:gs pos="2917">
+                      <a:schemeClr val="tx1"/>
+                    </a:gs>
+                    <a:gs pos="30000">
+                      <a:schemeClr val="tx1"/>
+                    </a:gs>
+                  </a:gsLst>
+                  <a:lin ang="5400000" scaled="0"/>
+                </a:gradFill>
+              </a:rPr>
+              <a:t>CluserRole</a:t>
+            </a:r>
+            <a:endParaRPr lang="en-US" sz="1800" dirty="0">
+              <a:gradFill>
+                <a:gsLst>
+                  <a:gs pos="2917">
+                    <a:schemeClr val="tx1"/>
+                  </a:gs>
+                  <a:gs pos="30000">
+                    <a:schemeClr val="tx1"/>
+                  </a:gs>
+                </a:gsLst>
+                <a:lin ang="5400000" scaled="0"/>
+              </a:gradFill>
+            </a:endParaRPr>
+          </a:p>
+          <a:p>
+            <a:pPr marL="342900" indent="-342900" algn="l">
+              <a:buFont typeface="Arial" panose="020B0604020202020204" pitchFamily="34" charset="0"/>
+              <a:buChar char="•"/>
+            </a:pPr>
+            <a:r>
+              <a:rPr lang="en-US" sz="1800" dirty="0" err="1">
+                <a:gradFill>
+                  <a:gsLst>
+                    <a:gs pos="2917">
+                      <a:schemeClr val="tx1"/>
+                    </a:gs>
+                    <a:gs pos="30000">
+                      <a:schemeClr val="tx1"/>
+                    </a:gs>
+                  </a:gsLst>
+                  <a:lin ang="5400000" scaled="0"/>
+                </a:gradFill>
+              </a:rPr>
+              <a:t>RoleBindings</a:t>
+            </a:r>
+            <a:r>
+              <a:rPr lang="en-US" sz="1800" dirty="0">
+                <a:gradFill>
+                  <a:gsLst>
+                    <a:gs pos="2917">
+                      <a:schemeClr val="tx1"/>
+                    </a:gs>
+                    <a:gs pos="30000">
+                      <a:schemeClr val="tx1"/>
+                    </a:gs>
+                  </a:gsLst>
+                  <a:lin ang="5400000" scaled="0"/>
+                </a:gradFill>
+              </a:rPr>
+              <a:t>, </a:t>
+            </a:r>
+            <a:r>
+              <a:rPr lang="en-US" sz="1800" dirty="0" err="1">
+                <a:gradFill>
+                  <a:gsLst>
+                    <a:gs pos="2917">
+                      <a:schemeClr val="tx1"/>
+                    </a:gs>
+                    <a:gs pos="30000">
+                      <a:schemeClr val="tx1"/>
+                    </a:gs>
+                  </a:gsLst>
+                  <a:lin ang="5400000" scaled="0"/>
+                </a:gradFill>
+              </a:rPr>
+              <a:t>ClusterBindings</a:t>
+            </a:r>
+            <a:r>
+              <a:rPr lang="en-US" sz="1800" dirty="0">
+                <a:gradFill>
+                  <a:gsLst>
+                    <a:gs pos="2917">
+                      <a:schemeClr val="tx1"/>
+                    </a:gs>
+                    <a:gs pos="30000">
+                      <a:schemeClr val="tx1"/>
+                    </a:gs>
+                  </a:gsLst>
+                  <a:lin ang="5400000" scaled="0"/>
+                </a:gradFill>
+              </a:rPr>
+              <a:t> are used to bind Roles, </a:t>
+            </a:r>
+            <a:r>
+              <a:rPr lang="en-US" sz="1800" dirty="0" err="1">
+                <a:gradFill>
+                  <a:gsLst>
+                    <a:gs pos="2917">
+                      <a:schemeClr val="tx1"/>
+                    </a:gs>
+                    <a:gs pos="30000">
+                      <a:schemeClr val="tx1"/>
+                    </a:gs>
+                  </a:gsLst>
+                  <a:lin ang="5400000" scaled="0"/>
+                </a:gradFill>
+              </a:rPr>
+              <a:t>ClusterRole</a:t>
+            </a:r>
+            <a:r>
+              <a:rPr lang="en-US" sz="1800" dirty="0">
+                <a:gradFill>
+                  <a:gsLst>
+                    <a:gs pos="2917">
+                      <a:schemeClr val="tx1"/>
+                    </a:gs>
+                    <a:gs pos="30000">
+                      <a:schemeClr val="tx1"/>
+                    </a:gs>
+                  </a:gsLst>
+                  <a:lin ang="5400000" scaled="0"/>
+                </a:gradFill>
+              </a:rPr>
+              <a:t> to users/groups</a:t>
+            </a:r>
+          </a:p>
+          <a:p>
+            <a:pPr marL="342900" indent="-342900">
+              <a:buFont typeface="Arial" panose="020B0604020202020204" pitchFamily="34" charset="0"/>
+              <a:buChar char="•"/>
+            </a:pPr>
+            <a:r>
+              <a:rPr lang="en-US" sz="1800" dirty="0">
+                <a:gradFill>
+                  <a:gsLst>
+                    <a:gs pos="2917">
+                      <a:schemeClr val="tx1"/>
+                    </a:gs>
+                    <a:gs pos="30000">
+                      <a:schemeClr val="tx1"/>
+                    </a:gs>
+                  </a:gsLst>
+                  <a:lin ang="5400000" scaled="0"/>
+                </a:gradFill>
+              </a:rPr>
+              <a:t>Configure AKS for AAD Authentication https://docs.microsoft.com/en-in/azure/aks/aad-integration</a:t>
+            </a:r>
+          </a:p>
+          <a:p>
+            <a:pPr marL="342900" indent="-342900" algn="l">
+              <a:buFont typeface="Arial" panose="020B0604020202020204" pitchFamily="34" charset="0"/>
+              <a:buChar char="•"/>
+            </a:pPr>
+            <a:endParaRPr lang="en-US" sz="1800" dirty="0">
+              <a:gradFill>
+                <a:gsLst>
+                  <a:gs pos="2917">
+                    <a:schemeClr val="tx1"/>
+                  </a:gs>
+                  <a:gs pos="30000">
+                    <a:schemeClr val="tx1"/>
+                  </a:gs>
+                </a:gsLst>
+                <a:lin ang="5400000" scaled="0"/>
+              </a:gradFill>
+            </a:endParaRPr>
+          </a:p>
+          <a:p>
+            <a:pPr marL="342900" indent="-342900" algn="l">
+              <a:buFont typeface="Arial" panose="020B0604020202020204" pitchFamily="34" charset="0"/>
+              <a:buChar char="•"/>
+            </a:pPr>
+            <a:endParaRPr lang="en-US" sz="1800" dirty="0">
+              <a:gradFill>
+                <a:gsLst>
+                  <a:gs pos="2917">
+                    <a:schemeClr val="tx1"/>
+                  </a:gs>
+                  <a:gs pos="30000">
+                    <a:schemeClr val="tx1"/>
+                  </a:gs>
+                </a:gsLst>
+                <a:lin ang="5400000" scaled="0"/>
+              </a:gradFill>
+            </a:endParaRPr>
+          </a:p>
+        </p:txBody>
+      </p:sp>
+      <p:pic>
+        <p:nvPicPr>
+          <p:cNvPr id="4" name="Picture 3">
+            <a:extLst>
+              <a:ext uri="{FF2B5EF4-FFF2-40B4-BE49-F238E27FC236}">
+                <a16:creationId xmlns:a16="http://schemas.microsoft.com/office/drawing/2014/main" id="{0344B644-8536-4A3A-827B-AA4029D7EE6F}"/>
+              </a:ext>
+            </a:extLst>
+          </p:cNvPr>
+          <p:cNvPicPr>
+            <a:picLocks noChangeAspect="1"/>
+          </p:cNvPicPr>
+          <p:nvPr/>
+        </p:nvPicPr>
+        <p:blipFill>
+          <a:blip r:embed="rId2"/>
+          <a:stretch>
+            <a:fillRect/>
+          </a:stretch>
+        </p:blipFill>
+        <p:spPr>
+          <a:xfrm>
+            <a:off x="204355" y="2662813"/>
+            <a:ext cx="5152442" cy="1903585"/>
+          </a:xfrm>
+          <a:prstGeom prst="rect">
+            <a:avLst/>
+          </a:prstGeom>
+        </p:spPr>
+      </p:pic>
+    </p:spTree>
+    <p:extLst>
+      <p:ext uri="{BB962C8B-B14F-4D97-AF65-F5344CB8AC3E}">
+        <p14:creationId xmlns:p14="http://schemas.microsoft.com/office/powerpoint/2010/main" val="3160052210"/>
+      </p:ext>
+    </p:extLst>
+  </p:cSld>
+  <p:clrMapOvr>
+    <a:masterClrMapping/>
+  </p:clrMapOvr>
+  <p:transition>
+    <p:fade/>
+  </p:transition>
+</p:sld>
+</file>
+
 <file path=ppt/theme/theme1.xml><?xml version="1.0" encoding="utf-8"?>
 <a:theme xmlns:a="http://schemas.openxmlformats.org/drawingml/2006/main" name="9-51027_Microsoft_Ready_Template">
   <a:themeElements>
